--- a/contour/contour 3.pptx
+++ b/contour/contour 3.pptx
@@ -7,18 +7,18 @@
   <p:sldIdLst>
     <p:sldId id="256" r:id="rId2"/>
     <p:sldId id="258" r:id="rId3"/>
-    <p:sldId id="282" r:id="rId4"/>
+    <p:sldId id="286" r:id="rId4"/>
     <p:sldId id="269" r:id="rId5"/>
     <p:sldId id="278" r:id="rId6"/>
-    <p:sldId id="279" r:id="rId7"/>
-    <p:sldId id="280" r:id="rId8"/>
-    <p:sldId id="267" r:id="rId9"/>
-    <p:sldId id="270" r:id="rId10"/>
-    <p:sldId id="271" r:id="rId11"/>
-    <p:sldId id="272" r:id="rId12"/>
-    <p:sldId id="264" r:id="rId13"/>
-    <p:sldId id="265" r:id="rId14"/>
-    <p:sldId id="285" r:id="rId15"/>
+    <p:sldId id="287" r:id="rId7"/>
+    <p:sldId id="279" r:id="rId8"/>
+    <p:sldId id="280" r:id="rId9"/>
+    <p:sldId id="271" r:id="rId10"/>
+    <p:sldId id="272" r:id="rId11"/>
+    <p:sldId id="264" r:id="rId12"/>
+    <p:sldId id="265" r:id="rId13"/>
+    <p:sldId id="285" r:id="rId14"/>
+    <p:sldId id="288" r:id="rId15"/>
     <p:sldId id="284" r:id="rId16"/>
     <p:sldId id="283" r:id="rId17"/>
   </p:sldIdLst>
@@ -121,7 +121,7 @@
   </p:defaultTextStyle>
   <p:extLst>
     <p:ext uri="{EFAFB233-063F-42B5-8137-9DF3F51BA10A}">
-      <p15:sldGuideLst xmlns:p15="http://schemas.microsoft.com/office/powerpoint/2012/main"/>
+      <p15:sldGuideLst xmlns:p15="http://schemas.microsoft.com/office/powerpoint/2012/main" xmlns=""/>
     </p:ext>
   </p:extLst>
 </p:presentation>
@@ -258,7 +258,8 @@
           <a:p>
             <a:fld id="{616045CF-CD76-48A5-B14A-0D11D86B9794}" type="datetimeFigureOut">
               <a:rPr lang="ko-KR" altLang="en-US" smtClean="0"/>
-              <a:t>2018-07-23</a:t>
+              <a:pPr/>
+              <a:t>2018-07-24</a:t>
             </a:fld>
             <a:endParaRPr lang="ko-KR" altLang="en-US"/>
           </a:p>
@@ -300,6 +301,7 @@
           <a:p>
             <a:fld id="{F8D6CDC8-8144-44A5-9E84-940AEC8E43A5}" type="slidenum">
               <a:rPr lang="ko-KR" altLang="en-US" smtClean="0"/>
+              <a:pPr/>
               <a:t>‹#›</a:t>
             </a:fld>
             <a:endParaRPr lang="ko-KR" altLang="en-US"/>
@@ -309,7 +311,7 @@
     </p:spTree>
     <p:extLst>
       <p:ext uri="{BB962C8B-B14F-4D97-AF65-F5344CB8AC3E}">
-        <p14:creationId xmlns:p14="http://schemas.microsoft.com/office/powerpoint/2010/main" val="494715741"/>
+        <p14:creationId xmlns:p14="http://schemas.microsoft.com/office/powerpoint/2010/main" xmlns="" val="494715741"/>
       </p:ext>
     </p:extLst>
   </p:cSld>
@@ -428,7 +430,8 @@
           <a:p>
             <a:fld id="{616045CF-CD76-48A5-B14A-0D11D86B9794}" type="datetimeFigureOut">
               <a:rPr lang="ko-KR" altLang="en-US" smtClean="0"/>
-              <a:t>2018-07-23</a:t>
+              <a:pPr/>
+              <a:t>2018-07-24</a:t>
             </a:fld>
             <a:endParaRPr lang="ko-KR" altLang="en-US"/>
           </a:p>
@@ -470,6 +473,7 @@
           <a:p>
             <a:fld id="{F8D6CDC8-8144-44A5-9E84-940AEC8E43A5}" type="slidenum">
               <a:rPr lang="ko-KR" altLang="en-US" smtClean="0"/>
+              <a:pPr/>
               <a:t>‹#›</a:t>
             </a:fld>
             <a:endParaRPr lang="ko-KR" altLang="en-US"/>
@@ -479,7 +483,7 @@
     </p:spTree>
     <p:extLst>
       <p:ext uri="{BB962C8B-B14F-4D97-AF65-F5344CB8AC3E}">
-        <p14:creationId xmlns:p14="http://schemas.microsoft.com/office/powerpoint/2010/main" val="1654323161"/>
+        <p14:creationId xmlns:p14="http://schemas.microsoft.com/office/powerpoint/2010/main" xmlns="" val="1654323161"/>
       </p:ext>
     </p:extLst>
   </p:cSld>
@@ -608,7 +612,8 @@
           <a:p>
             <a:fld id="{616045CF-CD76-48A5-B14A-0D11D86B9794}" type="datetimeFigureOut">
               <a:rPr lang="ko-KR" altLang="en-US" smtClean="0"/>
-              <a:t>2018-07-23</a:t>
+              <a:pPr/>
+              <a:t>2018-07-24</a:t>
             </a:fld>
             <a:endParaRPr lang="ko-KR" altLang="en-US"/>
           </a:p>
@@ -650,6 +655,7 @@
           <a:p>
             <a:fld id="{F8D6CDC8-8144-44A5-9E84-940AEC8E43A5}" type="slidenum">
               <a:rPr lang="ko-KR" altLang="en-US" smtClean="0"/>
+              <a:pPr/>
               <a:t>‹#›</a:t>
             </a:fld>
             <a:endParaRPr lang="ko-KR" altLang="en-US"/>
@@ -659,7 +665,7 @@
     </p:spTree>
     <p:extLst>
       <p:ext uri="{BB962C8B-B14F-4D97-AF65-F5344CB8AC3E}">
-        <p14:creationId xmlns:p14="http://schemas.microsoft.com/office/powerpoint/2010/main" val="3818782134"/>
+        <p14:creationId xmlns:p14="http://schemas.microsoft.com/office/powerpoint/2010/main" xmlns="" val="3818782134"/>
       </p:ext>
     </p:extLst>
   </p:cSld>
@@ -778,7 +784,8 @@
           <a:p>
             <a:fld id="{616045CF-CD76-48A5-B14A-0D11D86B9794}" type="datetimeFigureOut">
               <a:rPr lang="ko-KR" altLang="en-US" smtClean="0"/>
-              <a:t>2018-07-23</a:t>
+              <a:pPr/>
+              <a:t>2018-07-24</a:t>
             </a:fld>
             <a:endParaRPr lang="ko-KR" altLang="en-US"/>
           </a:p>
@@ -820,6 +827,7 @@
           <a:p>
             <a:fld id="{F8D6CDC8-8144-44A5-9E84-940AEC8E43A5}" type="slidenum">
               <a:rPr lang="ko-KR" altLang="en-US" smtClean="0"/>
+              <a:pPr/>
               <a:t>‹#›</a:t>
             </a:fld>
             <a:endParaRPr lang="ko-KR" altLang="en-US"/>
@@ -829,7 +837,7 @@
     </p:spTree>
     <p:extLst>
       <p:ext uri="{BB962C8B-B14F-4D97-AF65-F5344CB8AC3E}">
-        <p14:creationId xmlns:p14="http://schemas.microsoft.com/office/powerpoint/2010/main" val="2749413123"/>
+        <p14:creationId xmlns:p14="http://schemas.microsoft.com/office/powerpoint/2010/main" xmlns="" val="2749413123"/>
       </p:ext>
     </p:extLst>
   </p:cSld>
@@ -1024,7 +1032,8 @@
           <a:p>
             <a:fld id="{616045CF-CD76-48A5-B14A-0D11D86B9794}" type="datetimeFigureOut">
               <a:rPr lang="ko-KR" altLang="en-US" smtClean="0"/>
-              <a:t>2018-07-23</a:t>
+              <a:pPr/>
+              <a:t>2018-07-24</a:t>
             </a:fld>
             <a:endParaRPr lang="ko-KR" altLang="en-US"/>
           </a:p>
@@ -1066,6 +1075,7 @@
           <a:p>
             <a:fld id="{F8D6CDC8-8144-44A5-9E84-940AEC8E43A5}" type="slidenum">
               <a:rPr lang="ko-KR" altLang="en-US" smtClean="0"/>
+              <a:pPr/>
               <a:t>‹#›</a:t>
             </a:fld>
             <a:endParaRPr lang="ko-KR" altLang="en-US"/>
@@ -1075,7 +1085,7 @@
     </p:spTree>
     <p:extLst>
       <p:ext uri="{BB962C8B-B14F-4D97-AF65-F5344CB8AC3E}">
-        <p14:creationId xmlns:p14="http://schemas.microsoft.com/office/powerpoint/2010/main" val="1399286202"/>
+        <p14:creationId xmlns:p14="http://schemas.microsoft.com/office/powerpoint/2010/main" xmlns="" val="1399286202"/>
       </p:ext>
     </p:extLst>
   </p:cSld>
@@ -1256,7 +1266,8 @@
           <a:p>
             <a:fld id="{616045CF-CD76-48A5-B14A-0D11D86B9794}" type="datetimeFigureOut">
               <a:rPr lang="ko-KR" altLang="en-US" smtClean="0"/>
-              <a:t>2018-07-23</a:t>
+              <a:pPr/>
+              <a:t>2018-07-24</a:t>
             </a:fld>
             <a:endParaRPr lang="ko-KR" altLang="en-US"/>
           </a:p>
@@ -1298,6 +1309,7 @@
           <a:p>
             <a:fld id="{F8D6CDC8-8144-44A5-9E84-940AEC8E43A5}" type="slidenum">
               <a:rPr lang="ko-KR" altLang="en-US" smtClean="0"/>
+              <a:pPr/>
               <a:t>‹#›</a:t>
             </a:fld>
             <a:endParaRPr lang="ko-KR" altLang="en-US"/>
@@ -1307,7 +1319,7 @@
     </p:spTree>
     <p:extLst>
       <p:ext uri="{BB962C8B-B14F-4D97-AF65-F5344CB8AC3E}">
-        <p14:creationId xmlns:p14="http://schemas.microsoft.com/office/powerpoint/2010/main" val="998867737"/>
+        <p14:creationId xmlns:p14="http://schemas.microsoft.com/office/powerpoint/2010/main" xmlns="" val="998867737"/>
       </p:ext>
     </p:extLst>
   </p:cSld>
@@ -1623,7 +1635,8 @@
           <a:p>
             <a:fld id="{616045CF-CD76-48A5-B14A-0D11D86B9794}" type="datetimeFigureOut">
               <a:rPr lang="ko-KR" altLang="en-US" smtClean="0"/>
-              <a:t>2018-07-23</a:t>
+              <a:pPr/>
+              <a:t>2018-07-24</a:t>
             </a:fld>
             <a:endParaRPr lang="ko-KR" altLang="en-US"/>
           </a:p>
@@ -1665,6 +1678,7 @@
           <a:p>
             <a:fld id="{F8D6CDC8-8144-44A5-9E84-940AEC8E43A5}" type="slidenum">
               <a:rPr lang="ko-KR" altLang="en-US" smtClean="0"/>
+              <a:pPr/>
               <a:t>‹#›</a:t>
             </a:fld>
             <a:endParaRPr lang="ko-KR" altLang="en-US"/>
@@ -1674,7 +1688,7 @@
     </p:spTree>
     <p:extLst>
       <p:ext uri="{BB962C8B-B14F-4D97-AF65-F5344CB8AC3E}">
-        <p14:creationId xmlns:p14="http://schemas.microsoft.com/office/powerpoint/2010/main" val="1978302781"/>
+        <p14:creationId xmlns:p14="http://schemas.microsoft.com/office/powerpoint/2010/main" xmlns="" val="1978302781"/>
       </p:ext>
     </p:extLst>
   </p:cSld>
@@ -1741,7 +1755,8 @@
           <a:p>
             <a:fld id="{616045CF-CD76-48A5-B14A-0D11D86B9794}" type="datetimeFigureOut">
               <a:rPr lang="ko-KR" altLang="en-US" smtClean="0"/>
-              <a:t>2018-07-23</a:t>
+              <a:pPr/>
+              <a:t>2018-07-24</a:t>
             </a:fld>
             <a:endParaRPr lang="ko-KR" altLang="en-US"/>
           </a:p>
@@ -1783,6 +1798,7 @@
           <a:p>
             <a:fld id="{F8D6CDC8-8144-44A5-9E84-940AEC8E43A5}" type="slidenum">
               <a:rPr lang="ko-KR" altLang="en-US" smtClean="0"/>
+              <a:pPr/>
               <a:t>‹#›</a:t>
             </a:fld>
             <a:endParaRPr lang="ko-KR" altLang="en-US"/>
@@ -1792,7 +1808,7 @@
     </p:spTree>
     <p:extLst>
       <p:ext uri="{BB962C8B-B14F-4D97-AF65-F5344CB8AC3E}">
-        <p14:creationId xmlns:p14="http://schemas.microsoft.com/office/powerpoint/2010/main" val="2561081879"/>
+        <p14:creationId xmlns:p14="http://schemas.microsoft.com/office/powerpoint/2010/main" xmlns="" val="2561081879"/>
       </p:ext>
     </p:extLst>
   </p:cSld>
@@ -1836,7 +1852,8 @@
           <a:p>
             <a:fld id="{616045CF-CD76-48A5-B14A-0D11D86B9794}" type="datetimeFigureOut">
               <a:rPr lang="ko-KR" altLang="en-US" smtClean="0"/>
-              <a:t>2018-07-23</a:t>
+              <a:pPr/>
+              <a:t>2018-07-24</a:t>
             </a:fld>
             <a:endParaRPr lang="ko-KR" altLang="en-US"/>
           </a:p>
@@ -1878,6 +1895,7 @@
           <a:p>
             <a:fld id="{F8D6CDC8-8144-44A5-9E84-940AEC8E43A5}" type="slidenum">
               <a:rPr lang="ko-KR" altLang="en-US" smtClean="0"/>
+              <a:pPr/>
               <a:t>‹#›</a:t>
             </a:fld>
             <a:endParaRPr lang="ko-KR" altLang="en-US"/>
@@ -1887,7 +1905,7 @@
     </p:spTree>
     <p:extLst>
       <p:ext uri="{BB962C8B-B14F-4D97-AF65-F5344CB8AC3E}">
-        <p14:creationId xmlns:p14="http://schemas.microsoft.com/office/powerpoint/2010/main" val="2832322356"/>
+        <p14:creationId xmlns:p14="http://schemas.microsoft.com/office/powerpoint/2010/main" xmlns="" val="2832322356"/>
       </p:ext>
     </p:extLst>
   </p:cSld>
@@ -2113,7 +2131,8 @@
           <a:p>
             <a:fld id="{616045CF-CD76-48A5-B14A-0D11D86B9794}" type="datetimeFigureOut">
               <a:rPr lang="ko-KR" altLang="en-US" smtClean="0"/>
-              <a:t>2018-07-23</a:t>
+              <a:pPr/>
+              <a:t>2018-07-24</a:t>
             </a:fld>
             <a:endParaRPr lang="ko-KR" altLang="en-US"/>
           </a:p>
@@ -2155,6 +2174,7 @@
           <a:p>
             <a:fld id="{F8D6CDC8-8144-44A5-9E84-940AEC8E43A5}" type="slidenum">
               <a:rPr lang="ko-KR" altLang="en-US" smtClean="0"/>
+              <a:pPr/>
               <a:t>‹#›</a:t>
             </a:fld>
             <a:endParaRPr lang="ko-KR" altLang="en-US"/>
@@ -2164,7 +2184,7 @@
     </p:spTree>
     <p:extLst>
       <p:ext uri="{BB962C8B-B14F-4D97-AF65-F5344CB8AC3E}">
-        <p14:creationId xmlns:p14="http://schemas.microsoft.com/office/powerpoint/2010/main" val="2313776843"/>
+        <p14:creationId xmlns:p14="http://schemas.microsoft.com/office/powerpoint/2010/main" xmlns="" val="2313776843"/>
       </p:ext>
     </p:extLst>
   </p:cSld>
@@ -2366,7 +2386,8 @@
           <a:p>
             <a:fld id="{616045CF-CD76-48A5-B14A-0D11D86B9794}" type="datetimeFigureOut">
               <a:rPr lang="ko-KR" altLang="en-US" smtClean="0"/>
-              <a:t>2018-07-23</a:t>
+              <a:pPr/>
+              <a:t>2018-07-24</a:t>
             </a:fld>
             <a:endParaRPr lang="ko-KR" altLang="en-US"/>
           </a:p>
@@ -2408,6 +2429,7 @@
           <a:p>
             <a:fld id="{F8D6CDC8-8144-44A5-9E84-940AEC8E43A5}" type="slidenum">
               <a:rPr lang="ko-KR" altLang="en-US" smtClean="0"/>
+              <a:pPr/>
               <a:t>‹#›</a:t>
             </a:fld>
             <a:endParaRPr lang="ko-KR" altLang="en-US"/>
@@ -2417,7 +2439,7 @@
     </p:spTree>
     <p:extLst>
       <p:ext uri="{BB962C8B-B14F-4D97-AF65-F5344CB8AC3E}">
-        <p14:creationId xmlns:p14="http://schemas.microsoft.com/office/powerpoint/2010/main" val="1528866329"/>
+        <p14:creationId xmlns:p14="http://schemas.microsoft.com/office/powerpoint/2010/main" xmlns="" val="1528866329"/>
       </p:ext>
     </p:extLst>
   </p:cSld>
@@ -2579,7 +2601,8 @@
           <a:p>
             <a:fld id="{616045CF-CD76-48A5-B14A-0D11D86B9794}" type="datetimeFigureOut">
               <a:rPr lang="ko-KR" altLang="en-US" smtClean="0"/>
-              <a:t>2018-07-23</a:t>
+              <a:pPr/>
+              <a:t>2018-07-24</a:t>
             </a:fld>
             <a:endParaRPr lang="ko-KR" altLang="en-US"/>
           </a:p>
@@ -2657,6 +2680,7 @@
           <a:p>
             <a:fld id="{F8D6CDC8-8144-44A5-9E84-940AEC8E43A5}" type="slidenum">
               <a:rPr lang="ko-KR" altLang="en-US" smtClean="0"/>
+              <a:pPr/>
               <a:t>‹#›</a:t>
             </a:fld>
             <a:endParaRPr lang="ko-KR" altLang="en-US"/>
@@ -2666,7 +2690,7 @@
     </p:spTree>
     <p:extLst>
       <p:ext uri="{BB962C8B-B14F-4D97-AF65-F5344CB8AC3E}">
-        <p14:creationId xmlns:p14="http://schemas.microsoft.com/office/powerpoint/2010/main" val="363863671"/>
+        <p14:creationId xmlns:p14="http://schemas.microsoft.com/office/powerpoint/2010/main" xmlns="" val="363863671"/>
       </p:ext>
     </p:extLst>
   </p:cSld>
@@ -3029,7 +3053,7 @@
     </p:spTree>
     <p:extLst>
       <p:ext uri="{BB962C8B-B14F-4D97-AF65-F5344CB8AC3E}">
-        <p14:creationId xmlns:p14="http://schemas.microsoft.com/office/powerpoint/2010/main" val="374819904"/>
+        <p14:creationId xmlns:p14="http://schemas.microsoft.com/office/powerpoint/2010/main" xmlns="" val="374819904"/>
       </p:ext>
     </p:extLst>
   </p:cSld>
@@ -3202,7 +3226,7 @@
             </a:r>
           </a:p>
           <a:p>
-            <a:pPr marL="742950" lvl="1" indent="-285750">
+            <a:pPr marL="285750" indent="-285750">
               <a:buFontTx/>
               <a:buChar char="-"/>
             </a:pPr>
@@ -3263,7 +3287,7 @@
           <p:nvPr/>
         </p:nvPicPr>
         <p:blipFill rotWithShape="1">
-          <a:blip r:embed="rId2"/>
+          <a:blip r:embed="rId2" cstate="print"/>
           <a:srcRect t="20230" r="10853"/>
           <a:stretch/>
         </p:blipFill>
@@ -3286,577 +3310,7 @@
           <p:nvPr/>
         </p:nvPicPr>
         <p:blipFill>
-          <a:blip r:embed="rId3"/>
-          <a:stretch>
-            <a:fillRect/>
-          </a:stretch>
-        </p:blipFill>
-        <p:spPr>
-          <a:xfrm>
-            <a:off x="417443" y="5750674"/>
-            <a:ext cx="6819900" cy="1581150"/>
-          </a:xfrm>
-          <a:prstGeom prst="rect">
-            <a:avLst/>
-          </a:prstGeom>
-        </p:spPr>
-      </p:pic>
-      <p:pic>
-        <p:nvPicPr>
-          <p:cNvPr id="7" name="그림 6"/>
-          <p:cNvPicPr>
-            <a:picLocks noChangeAspect="1"/>
-          </p:cNvPicPr>
-          <p:nvPr/>
-        </p:nvPicPr>
-        <p:blipFill rotWithShape="1">
-          <a:blip r:embed="rId4"/>
-          <a:srcRect t="210" r="44145" b="63305"/>
-          <a:stretch/>
-        </p:blipFill>
-        <p:spPr>
-          <a:xfrm>
-            <a:off x="5412412" y="1053296"/>
-            <a:ext cx="1949087" cy="2652500"/>
-          </a:xfrm>
-          <a:prstGeom prst="rect">
-            <a:avLst/>
-          </a:prstGeom>
-        </p:spPr>
-      </p:pic>
-      <p:sp>
-        <p:nvSpPr>
-          <p:cNvPr id="3" name="TextBox 2"/>
-          <p:cNvSpPr txBox="1"/>
-          <p:nvPr/>
-        </p:nvSpPr>
-        <p:spPr>
-          <a:xfrm>
-            <a:off x="5412412" y="776843"/>
-            <a:ext cx="2865913" cy="369332"/>
-          </a:xfrm>
-          <a:prstGeom prst="rect">
-            <a:avLst/>
-          </a:prstGeom>
-          <a:noFill/>
-        </p:spPr>
-        <p:txBody>
-          <a:bodyPr wrap="none" rtlCol="0">
-            <a:spAutoFit/>
-          </a:bodyPr>
-          <a:lstStyle/>
-          <a:p>
-            <a:r>
-              <a:rPr lang="en-US" altLang="ko-KR" b="1" dirty="0" smtClean="0"/>
-              <a:t>Raster scan, border </a:t>
-            </a:r>
-            <a:r>
-              <a:rPr lang="ko-KR" altLang="en-US" b="1" dirty="0" smtClean="0"/>
-              <a:t>찾음</a:t>
-            </a:r>
-            <a:endParaRPr lang="ko-KR" altLang="en-US" b="1" dirty="0"/>
-          </a:p>
-        </p:txBody>
-      </p:sp>
-      <p:cxnSp>
-        <p:nvCxnSpPr>
-          <p:cNvPr id="9" name="직선 화살표 연결선 8"/>
-          <p:cNvCxnSpPr/>
-          <p:nvPr/>
-        </p:nvCxnSpPr>
-        <p:spPr>
-          <a:xfrm>
-            <a:off x="5671594" y="1137929"/>
-            <a:ext cx="277793" cy="205861"/>
-          </a:xfrm>
-          <a:prstGeom prst="straightConnector1">
-            <a:avLst/>
-          </a:prstGeom>
-          <a:ln w="57150">
-            <a:solidFill>
-              <a:srgbClr val="FF0000"/>
-            </a:solidFill>
-            <a:tailEnd type="triangle"/>
-          </a:ln>
-        </p:spPr>
-        <p:style>
-          <a:lnRef idx="1">
-            <a:schemeClr val="accent1"/>
-          </a:lnRef>
-          <a:fillRef idx="0">
-            <a:schemeClr val="accent1"/>
-          </a:fillRef>
-          <a:effectRef idx="0">
-            <a:schemeClr val="accent1"/>
-          </a:effectRef>
-          <a:fontRef idx="minor">
-            <a:schemeClr val="tx1"/>
-          </a:fontRef>
-        </p:style>
-      </p:cxnSp>
-      <p:cxnSp>
-        <p:nvCxnSpPr>
-          <p:cNvPr id="11" name="직선 화살표 연결선 10"/>
-          <p:cNvCxnSpPr/>
-          <p:nvPr/>
-        </p:nvCxnSpPr>
-        <p:spPr>
-          <a:xfrm>
-            <a:off x="6007261" y="2706394"/>
-            <a:ext cx="740780" cy="0"/>
-          </a:xfrm>
-          <a:prstGeom prst="straightConnector1">
-            <a:avLst/>
-          </a:prstGeom>
-          <a:ln w="57150">
-            <a:tailEnd type="triangle"/>
-          </a:ln>
-        </p:spPr>
-        <p:style>
-          <a:lnRef idx="1">
-            <a:schemeClr val="accent1"/>
-          </a:lnRef>
-          <a:fillRef idx="0">
-            <a:schemeClr val="accent1"/>
-          </a:fillRef>
-          <a:effectRef idx="0">
-            <a:schemeClr val="accent1"/>
-          </a:effectRef>
-          <a:fontRef idx="minor">
-            <a:schemeClr val="tx1"/>
-          </a:fontRef>
-        </p:style>
-      </p:cxnSp>
-      <p:cxnSp>
-        <p:nvCxnSpPr>
-          <p:cNvPr id="13" name="직선 화살표 연결선 12"/>
-          <p:cNvCxnSpPr/>
-          <p:nvPr/>
-        </p:nvCxnSpPr>
-        <p:spPr>
-          <a:xfrm>
-            <a:off x="6748041" y="2706394"/>
-            <a:ext cx="0" cy="754436"/>
-          </a:xfrm>
-          <a:prstGeom prst="straightConnector1">
-            <a:avLst/>
-          </a:prstGeom>
-          <a:ln w="57150">
-            <a:tailEnd type="triangle"/>
-          </a:ln>
-        </p:spPr>
-        <p:style>
-          <a:lnRef idx="1">
-            <a:schemeClr val="accent1"/>
-          </a:lnRef>
-          <a:fillRef idx="0">
-            <a:schemeClr val="accent1"/>
-          </a:fillRef>
-          <a:effectRef idx="0">
-            <a:schemeClr val="accent1"/>
-          </a:effectRef>
-          <a:fontRef idx="minor">
-            <a:schemeClr val="tx1"/>
-          </a:fontRef>
-        </p:style>
-      </p:cxnSp>
-      <p:cxnSp>
-        <p:nvCxnSpPr>
-          <p:cNvPr id="17" name="직선 화살표 연결선 16"/>
-          <p:cNvCxnSpPr/>
-          <p:nvPr/>
-        </p:nvCxnSpPr>
-        <p:spPr>
-          <a:xfrm flipH="1" flipV="1">
-            <a:off x="5914663" y="3553428"/>
-            <a:ext cx="823733" cy="12168"/>
-          </a:xfrm>
-          <a:prstGeom prst="straightConnector1">
-            <a:avLst/>
-          </a:prstGeom>
-          <a:ln w="57150">
-            <a:tailEnd type="triangle"/>
-          </a:ln>
-        </p:spPr>
-        <p:style>
-          <a:lnRef idx="1">
-            <a:schemeClr val="accent1"/>
-          </a:lnRef>
-          <a:fillRef idx="0">
-            <a:schemeClr val="accent1"/>
-          </a:fillRef>
-          <a:effectRef idx="0">
-            <a:schemeClr val="accent1"/>
-          </a:effectRef>
-          <a:fontRef idx="minor">
-            <a:schemeClr val="tx1"/>
-          </a:fontRef>
-        </p:style>
-      </p:cxnSp>
-      <p:cxnSp>
-        <p:nvCxnSpPr>
-          <p:cNvPr id="19" name="직선 화살표 연결선 18"/>
-          <p:cNvCxnSpPr/>
-          <p:nvPr/>
-        </p:nvCxnSpPr>
-        <p:spPr>
-          <a:xfrm flipH="1" flipV="1">
-            <a:off x="5810491" y="2715851"/>
-            <a:ext cx="11575" cy="732160"/>
-          </a:xfrm>
-          <a:prstGeom prst="straightConnector1">
-            <a:avLst/>
-          </a:prstGeom>
-          <a:ln w="57150">
-            <a:tailEnd type="triangle"/>
-          </a:ln>
-        </p:spPr>
-        <p:style>
-          <a:lnRef idx="1">
-            <a:schemeClr val="accent1"/>
-          </a:lnRef>
-          <a:fillRef idx="0">
-            <a:schemeClr val="accent1"/>
-          </a:fillRef>
-          <a:effectRef idx="0">
-            <a:schemeClr val="accent1"/>
-          </a:effectRef>
-          <a:fontRef idx="minor">
-            <a:schemeClr val="tx1"/>
-          </a:fontRef>
-        </p:style>
-      </p:cxnSp>
-      <p:sp>
-        <p:nvSpPr>
-          <p:cNvPr id="22" name="TextBox 21"/>
-          <p:cNvSpPr txBox="1"/>
-          <p:nvPr/>
-        </p:nvSpPr>
-        <p:spPr>
-          <a:xfrm>
-            <a:off x="5231668" y="2252726"/>
-            <a:ext cx="3866187" cy="369332"/>
-          </a:xfrm>
-          <a:prstGeom prst="rect">
-            <a:avLst/>
-          </a:prstGeom>
-          <a:noFill/>
-        </p:spPr>
-        <p:txBody>
-          <a:bodyPr wrap="none" rtlCol="0">
-            <a:spAutoFit/>
-          </a:bodyPr>
-          <a:lstStyle/>
-          <a:p>
-            <a:r>
-              <a:rPr lang="en-US" altLang="ko-KR" b="1" dirty="0" smtClean="0"/>
-              <a:t>Marking, raster scan, border </a:t>
-            </a:r>
-            <a:r>
-              <a:rPr lang="ko-KR" altLang="en-US" b="1" dirty="0" smtClean="0"/>
-              <a:t>찾음</a:t>
-            </a:r>
-            <a:endParaRPr lang="ko-KR" altLang="en-US" b="1" dirty="0"/>
-          </a:p>
-        </p:txBody>
-      </p:sp>
-      <p:cxnSp>
-        <p:nvCxnSpPr>
-          <p:cNvPr id="25" name="직선 화살표 연결선 24"/>
-          <p:cNvCxnSpPr/>
-          <p:nvPr/>
-        </p:nvCxnSpPr>
-        <p:spPr>
-          <a:xfrm>
-            <a:off x="5585668" y="2877851"/>
-            <a:ext cx="328995" cy="148394"/>
-          </a:xfrm>
-          <a:prstGeom prst="straightConnector1">
-            <a:avLst/>
-          </a:prstGeom>
-          <a:ln w="57150">
-            <a:solidFill>
-              <a:srgbClr val="FF0000"/>
-            </a:solidFill>
-            <a:tailEnd type="triangle"/>
-          </a:ln>
-        </p:spPr>
-        <p:style>
-          <a:lnRef idx="1">
-            <a:schemeClr val="accent1"/>
-          </a:lnRef>
-          <a:fillRef idx="0">
-            <a:schemeClr val="accent1"/>
-          </a:fillRef>
-          <a:effectRef idx="0">
-            <a:schemeClr val="accent1"/>
-          </a:effectRef>
-          <a:fontRef idx="minor">
-            <a:schemeClr val="tx1"/>
-          </a:fontRef>
-        </p:style>
-      </p:cxnSp>
-    </p:spTree>
-    <p:extLst>
-      <p:ext uri="{BB962C8B-B14F-4D97-AF65-F5344CB8AC3E}">
-        <p14:creationId xmlns:p14="http://schemas.microsoft.com/office/powerpoint/2010/main" val="1055744950"/>
-      </p:ext>
-    </p:extLst>
-  </p:cSld>
-  <p:clrMapOvr>
-    <a:masterClrMapping/>
-  </p:clrMapOvr>
-</p:sld>
-</file>
-
-<file path=ppt/slides/slide11.xml><?xml version="1.0" encoding="utf-8"?>
-<p:sld xmlns:a="http://schemas.openxmlformats.org/drawingml/2006/main" xmlns:r="http://schemas.openxmlformats.org/officeDocument/2006/relationships" xmlns:p="http://schemas.openxmlformats.org/presentationml/2006/main">
-  <p:cSld>
-    <p:spTree>
-      <p:nvGrpSpPr>
-        <p:cNvPr id="1" name=""/>
-        <p:cNvGrpSpPr/>
-        <p:nvPr/>
-      </p:nvGrpSpPr>
-      <p:grpSpPr>
-        <a:xfrm>
-          <a:off x="0" y="0"/>
-          <a:ext cx="0" cy="0"/>
-          <a:chOff x="0" y="0"/>
-          <a:chExt cx="0" cy="0"/>
-        </a:xfrm>
-      </p:grpSpPr>
-      <p:sp>
-        <p:nvSpPr>
-          <p:cNvPr id="6" name="TextBox 5"/>
-          <p:cNvSpPr txBox="1"/>
-          <p:nvPr/>
-        </p:nvSpPr>
-        <p:spPr>
-          <a:xfrm>
-            <a:off x="269834" y="1454458"/>
-            <a:ext cx="5060553" cy="3970318"/>
-          </a:xfrm>
-          <a:prstGeom prst="rect">
-            <a:avLst/>
-          </a:prstGeom>
-          <a:noFill/>
-        </p:spPr>
-        <p:txBody>
-          <a:bodyPr wrap="none" rtlCol="0">
-            <a:spAutoFit/>
-          </a:bodyPr>
-          <a:lstStyle/>
-          <a:p>
-            <a:pPr marL="342900" indent="-342900">
-              <a:buAutoNum type="arabicPeriod"/>
-            </a:pPr>
-            <a:r>
-              <a:rPr lang="en-US" altLang="ko-KR" dirty="0" err="1" smtClean="0"/>
-              <a:t>Ratster</a:t>
-            </a:r>
-            <a:r>
-              <a:rPr lang="en-US" altLang="ko-KR" dirty="0" smtClean="0"/>
-              <a:t> scan</a:t>
-            </a:r>
-          </a:p>
-          <a:p>
-            <a:pPr marL="342900" indent="-342900">
-              <a:buAutoNum type="arabicPeriod"/>
-            </a:pPr>
-            <a:r>
-              <a:rPr lang="en-US" altLang="ko-KR" dirty="0" smtClean="0"/>
-              <a:t>Meet starting point of border</a:t>
-            </a:r>
-          </a:p>
-          <a:p>
-            <a:pPr marL="285750" indent="-285750">
-              <a:buFontTx/>
-              <a:buChar char="-"/>
-            </a:pPr>
-            <a:r>
-              <a:rPr lang="en-US" altLang="ko-KR" dirty="0" smtClean="0"/>
-              <a:t>Starting point of outer/hole border</a:t>
-            </a:r>
-          </a:p>
-          <a:p>
-            <a:pPr marL="285750" indent="-285750">
-              <a:buFontTx/>
-              <a:buChar char="-"/>
-            </a:pPr>
-            <a:r>
-              <a:rPr lang="en-US" altLang="ko-KR" dirty="0" smtClean="0"/>
-              <a:t>If both satisfies, considered as outer border</a:t>
-            </a:r>
-          </a:p>
-          <a:p>
-            <a:pPr marL="285750" indent="-285750">
-              <a:buFontTx/>
-              <a:buChar char="-"/>
-            </a:pPr>
-            <a:endParaRPr lang="en-US" altLang="ko-KR" dirty="0"/>
-          </a:p>
-          <a:p>
-            <a:pPr marL="285750" indent="-285750">
-              <a:buFontTx/>
-              <a:buChar char="-"/>
-            </a:pPr>
-            <a:endParaRPr lang="en-US" altLang="ko-KR" dirty="0" smtClean="0"/>
-          </a:p>
-          <a:p>
-            <a:pPr marL="285750" indent="-285750">
-              <a:buFontTx/>
-              <a:buChar char="-"/>
-            </a:pPr>
-            <a:endParaRPr lang="en-US" altLang="ko-KR" dirty="0"/>
-          </a:p>
-          <a:p>
-            <a:endParaRPr lang="en-US" altLang="ko-KR" dirty="0" smtClean="0"/>
-          </a:p>
-          <a:p>
-            <a:r>
-              <a:rPr lang="en-US" altLang="ko-KR" dirty="0" smtClean="0"/>
-              <a:t>3. Marking</a:t>
-            </a:r>
-            <a:r>
-              <a:rPr lang="ko-KR" altLang="en-US" dirty="0" smtClean="0"/>
-              <a:t> </a:t>
-            </a:r>
-            <a:r>
-              <a:rPr lang="en-US" altLang="ko-KR" dirty="0" smtClean="0"/>
-              <a:t>the pixels on the border</a:t>
-            </a:r>
-          </a:p>
-          <a:p>
-            <a:pPr marL="285750" indent="-285750">
-              <a:buFontTx/>
-              <a:buChar char="-"/>
-            </a:pPr>
-            <a:r>
-              <a:rPr lang="ko-KR" altLang="en-US" dirty="0" smtClean="0"/>
-              <a:t>오른쪽이</a:t>
-            </a:r>
-            <a:r>
-              <a:rPr lang="en-US" altLang="ko-KR" dirty="0" smtClean="0"/>
-              <a:t> 0, </a:t>
-            </a:r>
-            <a:r>
-              <a:rPr lang="ko-KR" altLang="en-US" dirty="0" smtClean="0"/>
-              <a:t>해당 </a:t>
-            </a:r>
-            <a:r>
-              <a:rPr lang="en-US" altLang="ko-KR" dirty="0" smtClean="0"/>
-              <a:t>pixel</a:t>
-            </a:r>
-            <a:r>
-              <a:rPr lang="ko-KR" altLang="en-US" dirty="0" smtClean="0"/>
-              <a:t>이 </a:t>
-            </a:r>
-            <a:r>
-              <a:rPr lang="en-US" altLang="ko-KR" dirty="0" smtClean="0"/>
-              <a:t>1 -&gt; -NBD</a:t>
-            </a:r>
-          </a:p>
-          <a:p>
-            <a:pPr marL="285750" indent="-285750">
-              <a:buFontTx/>
-              <a:buChar char="-"/>
-            </a:pPr>
-            <a:r>
-              <a:rPr lang="ko-KR" altLang="en-US" dirty="0" smtClean="0"/>
-              <a:t>이외의 경우 </a:t>
-            </a:r>
-            <a:r>
-              <a:rPr lang="en-US" altLang="ko-KR" dirty="0" smtClean="0"/>
-              <a:t>-&gt; NBD </a:t>
-            </a:r>
-          </a:p>
-          <a:p>
-            <a:pPr marL="285750" indent="-285750">
-              <a:buFontTx/>
-              <a:buChar char="-"/>
-            </a:pPr>
-            <a:r>
-              <a:rPr lang="ko-KR" altLang="en-US" dirty="0" smtClean="0"/>
-              <a:t>이미 한번 지나간 경우 </a:t>
-            </a:r>
-            <a:r>
-              <a:rPr lang="en-US" altLang="ko-KR" dirty="0" smtClean="0"/>
-              <a:t>: </a:t>
-            </a:r>
-            <a:r>
-              <a:rPr lang="ko-KR" altLang="en-US" dirty="0" err="1" smtClean="0"/>
-              <a:t>안바꿈</a:t>
-            </a:r>
-            <a:endParaRPr lang="en-US" altLang="ko-KR" dirty="0" smtClean="0"/>
-          </a:p>
-          <a:p>
-            <a:endParaRPr lang="en-US" altLang="ko-KR" dirty="0" smtClean="0"/>
-          </a:p>
-          <a:p>
-            <a:pPr marL="342900" indent="-342900">
-              <a:buAutoNum type="arabicPeriod"/>
-            </a:pPr>
-            <a:endParaRPr lang="ko-KR" altLang="en-US" dirty="0"/>
-          </a:p>
-        </p:txBody>
-      </p:sp>
-      <p:sp>
-        <p:nvSpPr>
-          <p:cNvPr id="2" name="제목 1"/>
-          <p:cNvSpPr>
-            <a:spLocks noGrp="1"/>
-          </p:cNvSpPr>
-          <p:nvPr>
-            <p:ph type="title"/>
-          </p:nvPr>
-        </p:nvSpPr>
-        <p:spPr/>
-        <p:txBody>
-          <a:bodyPr/>
-          <a:lstStyle/>
-          <a:p>
-            <a:r>
-              <a:rPr lang="en-US" altLang="ko-KR" dirty="0" smtClean="0"/>
-              <a:t>rules</a:t>
-            </a:r>
-            <a:endParaRPr lang="ko-KR" altLang="en-US" dirty="0"/>
-          </a:p>
-        </p:txBody>
-      </p:sp>
-      <p:pic>
-        <p:nvPicPr>
-          <p:cNvPr id="4" name="그림 3"/>
-          <p:cNvPicPr>
-            <a:picLocks noChangeAspect="1"/>
-          </p:cNvPicPr>
-          <p:nvPr/>
-        </p:nvPicPr>
-        <p:blipFill rotWithShape="1">
-          <a:blip r:embed="rId2"/>
-          <a:srcRect t="20230" r="10853"/>
-          <a:stretch/>
-        </p:blipFill>
-        <p:spPr>
-          <a:xfrm>
-            <a:off x="417443" y="2706394"/>
-            <a:ext cx="2530395" cy="934574"/>
-          </a:xfrm>
-          <a:prstGeom prst="rect">
-            <a:avLst/>
-          </a:prstGeom>
-        </p:spPr>
-      </p:pic>
-      <p:pic>
-        <p:nvPicPr>
-          <p:cNvPr id="8" name="그림 7"/>
-          <p:cNvPicPr>
-            <a:picLocks noChangeAspect="1"/>
-          </p:cNvPicPr>
-          <p:nvPr/>
-        </p:nvPicPr>
-        <p:blipFill>
-          <a:blip r:embed="rId3"/>
+          <a:blip r:embed="rId3" cstate="print"/>
           <a:stretch>
             <a:fillRect/>
           </a:stretch>
@@ -3880,7 +3334,7 @@
           <p:nvPr/>
         </p:nvPicPr>
         <p:blipFill rotWithShape="1">
-          <a:blip r:embed="rId4"/>
+          <a:blip r:embed="rId4" cstate="print"/>
           <a:srcRect t="37099" r="4297" b="22063"/>
           <a:stretch/>
         </p:blipFill>
@@ -4099,7 +3553,211 @@
     </p:spTree>
     <p:extLst>
       <p:ext uri="{BB962C8B-B14F-4D97-AF65-F5344CB8AC3E}">
-        <p14:creationId xmlns:p14="http://schemas.microsoft.com/office/powerpoint/2010/main" val="2221149537"/>
+        <p14:creationId xmlns:p14="http://schemas.microsoft.com/office/powerpoint/2010/main" xmlns="" val="2221149537"/>
+      </p:ext>
+    </p:extLst>
+  </p:cSld>
+  <p:clrMapOvr>
+    <a:masterClrMapping/>
+  </p:clrMapOvr>
+</p:sld>
+</file>
+
+<file path=ppt/slides/slide11.xml><?xml version="1.0" encoding="utf-8"?>
+<p:sld xmlns:a="http://schemas.openxmlformats.org/drawingml/2006/main" xmlns:r="http://schemas.openxmlformats.org/officeDocument/2006/relationships" xmlns:p="http://schemas.openxmlformats.org/presentationml/2006/main">
+  <p:cSld>
+    <p:spTree>
+      <p:nvGrpSpPr>
+        <p:cNvPr id="1" name=""/>
+        <p:cNvGrpSpPr/>
+        <p:nvPr/>
+      </p:nvGrpSpPr>
+      <p:grpSpPr>
+        <a:xfrm>
+          <a:off x="0" y="0"/>
+          <a:ext cx="0" cy="0"/>
+          <a:chOff x="0" y="0"/>
+          <a:chExt cx="0" cy="0"/>
+        </a:xfrm>
+      </p:grpSpPr>
+      <p:sp>
+        <p:nvSpPr>
+          <p:cNvPr id="2" name="제목 1"/>
+          <p:cNvSpPr>
+            <a:spLocks noGrp="1"/>
+          </p:cNvSpPr>
+          <p:nvPr>
+            <p:ph type="title"/>
+          </p:nvPr>
+        </p:nvSpPr>
+        <p:spPr/>
+        <p:txBody>
+          <a:bodyPr/>
+          <a:lstStyle/>
+          <a:p>
+            <a:r>
+              <a:rPr lang="en-US" altLang="ko-KR" dirty="0" smtClean="0"/>
+              <a:t>Tutorial </a:t>
+            </a:r>
+            <a:r>
+              <a:rPr lang="ko-KR" altLang="en-US" dirty="0" smtClean="0"/>
+              <a:t>항목들</a:t>
+            </a:r>
+            <a:endParaRPr lang="ko-KR" altLang="en-US" dirty="0"/>
+          </a:p>
+        </p:txBody>
+      </p:sp>
+      <p:sp>
+        <p:nvSpPr>
+          <p:cNvPr id="3" name="내용 개체 틀 2"/>
+          <p:cNvSpPr>
+            <a:spLocks noGrp="1"/>
+          </p:cNvSpPr>
+          <p:nvPr>
+            <p:ph idx="1"/>
+          </p:nvPr>
+        </p:nvSpPr>
+        <p:spPr/>
+        <p:txBody>
+          <a:bodyPr>
+            <a:normAutofit/>
+          </a:bodyPr>
+          <a:lstStyle/>
+          <a:p>
+            <a:r>
+              <a:rPr lang="en-US" altLang="ko-KR" b="1" dirty="0" err="1" smtClean="0"/>
+              <a:t>findContour</a:t>
+            </a:r>
+            <a:endParaRPr lang="en-US" altLang="ko-KR" b="1" dirty="0" smtClean="0"/>
+          </a:p>
+          <a:p>
+            <a:r>
+              <a:rPr lang="en-US" altLang="ko-KR" b="1" dirty="0" err="1" smtClean="0"/>
+              <a:t>drawContour</a:t>
+            </a:r>
+            <a:endParaRPr lang="en-US" altLang="ko-KR" b="1" dirty="0" smtClean="0"/>
+          </a:p>
+          <a:p>
+            <a:r>
+              <a:rPr lang="en-US" altLang="ko-KR" dirty="0" smtClean="0"/>
+              <a:t>Contour feature</a:t>
+            </a:r>
+          </a:p>
+          <a:p>
+            <a:pPr lvl="1"/>
+            <a:r>
+              <a:rPr lang="en-US" altLang="ko-KR" dirty="0" smtClean="0"/>
+              <a:t>Moment ( center of mass)</a:t>
+            </a:r>
+          </a:p>
+          <a:p>
+            <a:pPr lvl="1"/>
+            <a:r>
+              <a:rPr lang="en-US" altLang="ko-KR" dirty="0" smtClean="0"/>
+              <a:t>Area</a:t>
+            </a:r>
+          </a:p>
+          <a:p>
+            <a:pPr lvl="1"/>
+            <a:r>
+              <a:rPr lang="en-US" altLang="ko-KR" dirty="0" smtClean="0"/>
+              <a:t>Perimeter ( arc length)</a:t>
+            </a:r>
+          </a:p>
+          <a:p>
+            <a:pPr lvl="1"/>
+            <a:r>
+              <a:rPr lang="en-US" altLang="ko-KR" b="1" dirty="0" smtClean="0"/>
+              <a:t>Approximation (implementation of </a:t>
+            </a:r>
+            <a:r>
+              <a:rPr lang="en-US" altLang="ko-KR" b="1" dirty="0" err="1" smtClean="0"/>
+              <a:t>douglas-peucker</a:t>
+            </a:r>
+            <a:r>
+              <a:rPr lang="en-US" altLang="ko-KR" b="1" dirty="0" smtClean="0"/>
+              <a:t> algorithm)</a:t>
+            </a:r>
+          </a:p>
+          <a:p>
+            <a:pPr lvl="1"/>
+            <a:r>
+              <a:rPr lang="en-US" altLang="ko-KR" b="1" dirty="0" smtClean="0"/>
+              <a:t>Convex hull</a:t>
+            </a:r>
+          </a:p>
+          <a:p>
+            <a:pPr lvl="1"/>
+            <a:r>
+              <a:rPr lang="en-US" altLang="ko-KR" b="1" dirty="0" smtClean="0"/>
+              <a:t>Convexity</a:t>
+            </a:r>
+          </a:p>
+          <a:p>
+            <a:pPr lvl="1"/>
+            <a:r>
+              <a:rPr lang="en-US" altLang="ko-KR" b="1" dirty="0" smtClean="0"/>
+              <a:t>Bounding rectangle</a:t>
+            </a:r>
+          </a:p>
+          <a:p>
+            <a:pPr lvl="1"/>
+            <a:r>
+              <a:rPr lang="en-US" altLang="ko-KR" dirty="0" smtClean="0"/>
+              <a:t>Minimum enclosing circle</a:t>
+            </a:r>
+          </a:p>
+          <a:p>
+            <a:pPr lvl="1"/>
+            <a:r>
+              <a:rPr lang="en-US" altLang="ko-KR" dirty="0" smtClean="0"/>
+              <a:t>Fitting and ellipse</a:t>
+            </a:r>
+          </a:p>
+          <a:p>
+            <a:pPr lvl="1"/>
+            <a:r>
+              <a:rPr lang="en-US" altLang="ko-KR" dirty="0" smtClean="0"/>
+              <a:t>Fitting a line</a:t>
+            </a:r>
+          </a:p>
+          <a:p>
+            <a:pPr lvl="1"/>
+            <a:endParaRPr lang="en-US" altLang="ko-KR" dirty="0" smtClean="0"/>
+          </a:p>
+          <a:p>
+            <a:endParaRPr lang="ko-KR" altLang="en-US" dirty="0"/>
+          </a:p>
+        </p:txBody>
+      </p:sp>
+      <p:pic>
+        <p:nvPicPr>
+          <p:cNvPr id="4" name="그림 3"/>
+          <p:cNvPicPr>
+            <a:picLocks noChangeAspect="1"/>
+          </p:cNvPicPr>
+          <p:nvPr/>
+        </p:nvPicPr>
+        <p:blipFill>
+          <a:blip r:embed="rId2" cstate="print"/>
+          <a:stretch>
+            <a:fillRect/>
+          </a:stretch>
+        </p:blipFill>
+        <p:spPr>
+          <a:xfrm>
+            <a:off x="4257040" y="2347521"/>
+            <a:ext cx="2869247" cy="1080843"/>
+          </a:xfrm>
+          <a:prstGeom prst="rect">
+            <a:avLst/>
+          </a:prstGeom>
+        </p:spPr>
+      </p:pic>
+    </p:spTree>
+    <p:extLst>
+      <p:ext uri="{BB962C8B-B14F-4D97-AF65-F5344CB8AC3E}">
+        <p14:creationId xmlns:p14="http://schemas.microsoft.com/office/powerpoint/2010/main" xmlns="" val="4113196764"/>
       </p:ext>
     </p:extLst>
   </p:cSld>
@@ -4142,14 +3800,13 @@
           <a:lstStyle/>
           <a:p>
             <a:r>
-              <a:rPr lang="en-US" altLang="ko-KR" dirty="0" smtClean="0"/>
+              <a:rPr lang="en-US" altLang="ko-KR" dirty="0"/>
               <a:t>Tutorial </a:t>
             </a:r>
             <a:r>
-              <a:rPr lang="ko-KR" altLang="en-US" dirty="0" smtClean="0"/>
+              <a:rPr lang="ko-KR" altLang="en-US" dirty="0"/>
               <a:t>항목들</a:t>
             </a:r>
-            <a:endParaRPr lang="ko-KR" altLang="en-US" dirty="0"/>
           </a:p>
         </p:txBody>
       </p:sp>
@@ -4165,145 +3822,96 @@
         </p:nvSpPr>
         <p:spPr/>
         <p:txBody>
-          <a:bodyPr>
-            <a:normAutofit/>
-          </a:bodyPr>
-          <a:lstStyle/>
-          <a:p>
-            <a:r>
-              <a:rPr lang="en-US" altLang="ko-KR" b="1" dirty="0" err="1" smtClean="0"/>
-              <a:t>findContour</a:t>
-            </a:r>
-            <a:endParaRPr lang="en-US" altLang="ko-KR" b="1" dirty="0" smtClean="0"/>
-          </a:p>
-          <a:p>
-            <a:r>
-              <a:rPr lang="en-US" altLang="ko-KR" b="1" dirty="0" err="1" smtClean="0"/>
-              <a:t>drawContour</a:t>
-            </a:r>
-            <a:endParaRPr lang="en-US" altLang="ko-KR" b="1" dirty="0" smtClean="0"/>
-          </a:p>
-          <a:p>
-            <a:r>
-              <a:rPr lang="en-US" altLang="ko-KR" dirty="0" smtClean="0"/>
-              <a:t>Contour feature</a:t>
+          <a:bodyPr/>
+          <a:lstStyle/>
+          <a:p>
+            <a:r>
+              <a:rPr lang="en-US" altLang="ko-KR" dirty="0" smtClean="0"/>
+              <a:t>Contour properties</a:t>
             </a:r>
           </a:p>
           <a:p>
             <a:pPr lvl="1"/>
             <a:r>
               <a:rPr lang="en-US" altLang="ko-KR" dirty="0" smtClean="0"/>
-              <a:t>Moment ( center of mass)</a:t>
+              <a:t>Aspect ratio</a:t>
             </a:r>
           </a:p>
           <a:p>
             <a:pPr lvl="1"/>
             <a:r>
               <a:rPr lang="en-US" altLang="ko-KR" dirty="0" smtClean="0"/>
-              <a:t>Area</a:t>
+              <a:t>Extent</a:t>
             </a:r>
           </a:p>
           <a:p>
             <a:pPr lvl="1"/>
             <a:r>
               <a:rPr lang="en-US" altLang="ko-KR" dirty="0" smtClean="0"/>
-              <a:t>Perimeter ( arc length)</a:t>
+              <a:t>Solidity</a:t>
             </a:r>
           </a:p>
           <a:p>
             <a:pPr lvl="1"/>
             <a:r>
+              <a:rPr lang="en-US" altLang="ko-KR" dirty="0" smtClean="0"/>
+              <a:t>Equivalent diameter</a:t>
+            </a:r>
+          </a:p>
+          <a:p>
+            <a:pPr lvl="1"/>
+            <a:r>
+              <a:rPr lang="en-US" altLang="ko-KR" dirty="0" smtClean="0"/>
+              <a:t>Mask and pixel points</a:t>
+            </a:r>
+          </a:p>
+          <a:p>
+            <a:pPr lvl="1"/>
+            <a:r>
               <a:rPr lang="en-US" altLang="ko-KR" b="1" dirty="0" smtClean="0"/>
-              <a:t>Approximation (implementation of </a:t>
-            </a:r>
-            <a:r>
-              <a:rPr lang="en-US" altLang="ko-KR" b="1" dirty="0" err="1" smtClean="0"/>
-              <a:t>douglas-peucker</a:t>
-            </a:r>
+              <a:t>Extreme points</a:t>
+            </a:r>
+          </a:p>
+          <a:p>
             <a:r>
               <a:rPr lang="en-US" altLang="ko-KR" b="1" dirty="0" smtClean="0"/>
-              <a:t> algorithm)</a:t>
+              <a:t>More functions</a:t>
             </a:r>
           </a:p>
           <a:p>
             <a:pPr lvl="1"/>
             <a:r>
               <a:rPr lang="en-US" altLang="ko-KR" b="1" dirty="0" smtClean="0"/>
-              <a:t>Convex hull</a:t>
+              <a:t>Convexity defect</a:t>
             </a:r>
           </a:p>
           <a:p>
             <a:pPr lvl="1"/>
             <a:r>
               <a:rPr lang="en-US" altLang="ko-KR" b="1" dirty="0" smtClean="0"/>
-              <a:t>Convexity</a:t>
+              <a:t>Point polygon test</a:t>
             </a:r>
           </a:p>
           <a:p>
             <a:pPr lvl="1"/>
             <a:r>
               <a:rPr lang="en-US" altLang="ko-KR" b="1" dirty="0" smtClean="0"/>
-              <a:t>Bounding rectangle</a:t>
-            </a:r>
-          </a:p>
-          <a:p>
-            <a:pPr lvl="1"/>
-            <a:r>
-              <a:rPr lang="en-US" altLang="ko-KR" dirty="0" smtClean="0"/>
-              <a:t>Minimum enclosing circle</a:t>
-            </a:r>
-          </a:p>
-          <a:p>
-            <a:pPr lvl="1"/>
-            <a:r>
-              <a:rPr lang="en-US" altLang="ko-KR" dirty="0" smtClean="0"/>
-              <a:t>Fitting and ellipse</a:t>
-            </a:r>
-          </a:p>
-          <a:p>
-            <a:pPr lvl="1"/>
-            <a:r>
-              <a:rPr lang="en-US" altLang="ko-KR" dirty="0" smtClean="0"/>
-              <a:t>Fitting a line</a:t>
-            </a:r>
-          </a:p>
-          <a:p>
-            <a:pPr lvl="1"/>
-            <a:endParaRPr lang="en-US" altLang="ko-KR" dirty="0" smtClean="0"/>
-          </a:p>
-          <a:p>
-            <a:endParaRPr lang="ko-KR" altLang="en-US" dirty="0"/>
-          </a:p>
-        </p:txBody>
-      </p:sp>
-      <p:pic>
-        <p:nvPicPr>
-          <p:cNvPr id="4" name="그림 3"/>
-          <p:cNvPicPr>
-            <a:picLocks noChangeAspect="1"/>
-          </p:cNvPicPr>
-          <p:nvPr/>
-        </p:nvPicPr>
-        <p:blipFill>
-          <a:blip r:embed="rId2"/>
-          <a:stretch>
-            <a:fillRect/>
-          </a:stretch>
-        </p:blipFill>
-        <p:spPr>
-          <a:xfrm>
-            <a:off x="4257040" y="2347521"/>
-            <a:ext cx="2869247" cy="1080843"/>
-          </a:xfrm>
-          <a:prstGeom prst="rect">
-            <a:avLst/>
-          </a:prstGeom>
-        </p:spPr>
-      </p:pic>
+              <a:t>Match shapes</a:t>
+            </a:r>
+          </a:p>
+          <a:p>
+            <a:r>
+              <a:rPr lang="en-US" altLang="ko-KR" b="1" dirty="0" smtClean="0"/>
+              <a:t>hierarchy</a:t>
+            </a:r>
+            <a:endParaRPr lang="ko-KR" altLang="en-US" b="1" dirty="0"/>
+          </a:p>
+        </p:txBody>
+      </p:sp>
     </p:spTree>
     <p:extLst>
       <p:ext uri="{BB962C8B-B14F-4D97-AF65-F5344CB8AC3E}">
-        <p14:creationId xmlns:p14="http://schemas.microsoft.com/office/powerpoint/2010/main" val="4113196764"/>
+        <p14:creationId xmlns:p14="http://schemas.microsoft.com/office/powerpoint/2010/main" xmlns="" val="1280672999"/>
       </p:ext>
     </p:extLst>
   </p:cSld>
@@ -4346,13 +3954,10 @@
           <a:lstStyle/>
           <a:p>
             <a:r>
-              <a:rPr lang="en-US" altLang="ko-KR" dirty="0"/>
-              <a:t>Tutorial </a:t>
-            </a:r>
-            <a:r>
-              <a:rPr lang="ko-KR" altLang="en-US" dirty="0"/>
-              <a:t>항목들</a:t>
-            </a:r>
+              <a:rPr lang="en-US" altLang="ko-KR" dirty="0" err="1" smtClean="0"/>
+              <a:t>findContour</a:t>
+            </a:r>
+            <a:endParaRPr lang="ko-KR" altLang="en-US" dirty="0"/>
           </a:p>
         </p:txBody>
       </p:sp>
@@ -4372,92 +3977,261 @@
           <a:lstStyle/>
           <a:p>
             <a:r>
-              <a:rPr lang="en-US" altLang="ko-KR" dirty="0" smtClean="0"/>
-              <a:t>Contour properties</a:t>
+              <a:rPr lang="en-US" altLang="ko-KR" dirty="0" err="1" smtClean="0"/>
+              <a:t>findContours</a:t>
+            </a:r>
+            <a:r>
+              <a:rPr lang="en-US" altLang="ko-KR" dirty="0" smtClean="0"/>
+              <a:t>(image, mode, method[, contours[, hierarchy[, offset]]]) -&gt; contours, hierarchy</a:t>
             </a:r>
           </a:p>
           <a:p>
             <a:pPr lvl="1"/>
             <a:r>
               <a:rPr lang="en-US" altLang="ko-KR" dirty="0" smtClean="0"/>
-              <a:t>Aspect ratio</a:t>
+              <a:t>Image : 8bit single channel image. Non-zero treated as 1</a:t>
             </a:r>
           </a:p>
           <a:p>
             <a:pPr lvl="1"/>
             <a:r>
               <a:rPr lang="en-US" altLang="ko-KR" dirty="0" smtClean="0"/>
-              <a:t>Extent</a:t>
+              <a:t>Contours : detected contours</a:t>
+            </a:r>
+          </a:p>
+          <a:p>
+            <a:pPr lvl="2"/>
+            <a:r>
+              <a:rPr lang="en-US" altLang="ko-KR" dirty="0" smtClean="0"/>
+              <a:t>Contour</a:t>
+            </a:r>
+            <a:r>
+              <a:rPr lang="ko-KR" altLang="en-US" dirty="0" smtClean="0"/>
+              <a:t>의 </a:t>
+            </a:r>
+            <a:r>
+              <a:rPr lang="en-US" altLang="ko-KR" dirty="0" smtClean="0"/>
+              <a:t>pixel</a:t>
+            </a:r>
+            <a:r>
+              <a:rPr lang="ko-KR" altLang="en-US" dirty="0" smtClean="0"/>
+              <a:t>위치가 </a:t>
+            </a:r>
+            <a:r>
+              <a:rPr lang="en-US" altLang="ko-KR" dirty="0" smtClean="0"/>
+              <a:t>vector</a:t>
+            </a:r>
+            <a:r>
+              <a:rPr lang="ko-KR" altLang="en-US" dirty="0" smtClean="0"/>
+              <a:t>로 저장됨</a:t>
+            </a:r>
+            <a:r>
+              <a:rPr lang="en-US" altLang="ko-KR" dirty="0" smtClean="0"/>
+              <a:t>. </a:t>
             </a:r>
           </a:p>
           <a:p>
             <a:pPr lvl="1"/>
             <a:r>
               <a:rPr lang="en-US" altLang="ko-KR" dirty="0" smtClean="0"/>
-              <a:t>Solidity</a:t>
+              <a:t>Mode : </a:t>
+            </a:r>
+            <a:r>
+              <a:rPr lang="ko-KR" altLang="en-US" dirty="0" smtClean="0"/>
+              <a:t>얻을 </a:t>
+            </a:r>
+            <a:r>
+              <a:rPr lang="en-US" altLang="ko-KR" dirty="0" smtClean="0"/>
+              <a:t>contour </a:t>
+            </a:r>
+            <a:r>
+              <a:rPr lang="ko-KR" altLang="en-US" dirty="0" smtClean="0"/>
+              <a:t>정함</a:t>
+            </a:r>
+            <a:endParaRPr lang="en-US" altLang="ko-KR" dirty="0" smtClean="0"/>
+          </a:p>
+          <a:p>
+            <a:pPr lvl="2"/>
+            <a:r>
+              <a:rPr lang="en-US" altLang="ko-KR" dirty="0" smtClean="0"/>
+              <a:t>CV_RETR_EXTERNAL : </a:t>
+            </a:r>
+            <a:r>
+              <a:rPr lang="ko-KR" altLang="en-US" dirty="0" err="1" smtClean="0"/>
+              <a:t>최외각</a:t>
+            </a:r>
+            <a:r>
+              <a:rPr lang="ko-KR" altLang="en-US" dirty="0" smtClean="0"/>
+              <a:t> </a:t>
+            </a:r>
+            <a:r>
+              <a:rPr lang="en-US" altLang="ko-KR" dirty="0" smtClean="0"/>
+              <a:t>contour</a:t>
+            </a:r>
+            <a:r>
+              <a:rPr lang="ko-KR" altLang="en-US" dirty="0" smtClean="0"/>
+              <a:t>만</a:t>
+            </a:r>
+            <a:endParaRPr lang="en-US" altLang="ko-KR" dirty="0" smtClean="0"/>
+          </a:p>
+          <a:p>
+            <a:pPr lvl="2"/>
+            <a:r>
+              <a:rPr lang="en-US" altLang="ko-KR" dirty="0" smtClean="0"/>
+              <a:t>CV_RETR_LIST : </a:t>
+            </a:r>
+            <a:r>
+              <a:rPr lang="ko-KR" altLang="en-US" dirty="0" smtClean="0"/>
+              <a:t>전체</a:t>
+            </a:r>
+            <a:r>
+              <a:rPr lang="en-US" altLang="ko-KR" dirty="0" smtClean="0"/>
+              <a:t>, hierarchy </a:t>
+            </a:r>
+            <a:r>
+              <a:rPr lang="ko-KR" altLang="en-US" dirty="0" smtClean="0"/>
+              <a:t>없음</a:t>
+            </a:r>
+            <a:endParaRPr lang="en-US" altLang="ko-KR" dirty="0" smtClean="0"/>
+          </a:p>
+          <a:p>
+            <a:pPr lvl="2"/>
+            <a:r>
+              <a:rPr lang="en-US" altLang="ko-KR" dirty="0" smtClean="0"/>
+              <a:t>CV_RETR_CCOM : two-level hierarchy</a:t>
+            </a:r>
+          </a:p>
+          <a:p>
+            <a:pPr lvl="2"/>
+            <a:r>
+              <a:rPr lang="en-US" altLang="ko-KR" dirty="0" smtClean="0"/>
+              <a:t>CV_RETR_TREE : </a:t>
+            </a:r>
+            <a:r>
+              <a:rPr lang="ko-KR" altLang="en-US" dirty="0" smtClean="0"/>
+              <a:t>전체</a:t>
+            </a:r>
+            <a:r>
+              <a:rPr lang="en-US" altLang="ko-KR" dirty="0" smtClean="0"/>
+              <a:t>, hierarchy </a:t>
+            </a:r>
+            <a:r>
+              <a:rPr lang="ko-KR" altLang="en-US" dirty="0" smtClean="0"/>
+              <a:t>있음</a:t>
+            </a:r>
+            <a:r>
+              <a:rPr lang="en-US" altLang="ko-KR" dirty="0" smtClean="0"/>
+              <a:t>. </a:t>
             </a:r>
           </a:p>
           <a:p>
             <a:pPr lvl="1"/>
             <a:r>
               <a:rPr lang="en-US" altLang="ko-KR" dirty="0" smtClean="0"/>
-              <a:t>Equivalent diameter</a:t>
+              <a:t>Method : contour </a:t>
+            </a:r>
+            <a:r>
+              <a:rPr lang="ko-KR" altLang="en-US" dirty="0" smtClean="0"/>
+              <a:t>저장 방법</a:t>
+            </a:r>
+            <a:endParaRPr lang="en-US" altLang="ko-KR" dirty="0" smtClean="0"/>
+          </a:p>
+          <a:p>
+            <a:pPr lvl="2"/>
+            <a:r>
+              <a:rPr lang="en-US" altLang="ko-KR" dirty="0" smtClean="0"/>
+              <a:t>CV_CHAIN_APPROX_NONE : contour</a:t>
+            </a:r>
+            <a:r>
+              <a:rPr lang="ko-KR" altLang="en-US" dirty="0" smtClean="0"/>
+              <a:t>에 해당하는 전체 </a:t>
+            </a:r>
+            <a:r>
+              <a:rPr lang="en-US" altLang="ko-KR" dirty="0" smtClean="0"/>
+              <a:t>pixel</a:t>
+            </a:r>
+            <a:r>
+              <a:rPr lang="ko-KR" altLang="en-US" dirty="0" smtClean="0"/>
+              <a:t>을 저장</a:t>
+            </a:r>
+            <a:endParaRPr lang="en-US" altLang="ko-KR" dirty="0" smtClean="0"/>
+          </a:p>
+          <a:p>
+            <a:pPr lvl="2"/>
+            <a:r>
+              <a:rPr lang="en-US" altLang="ko-KR" dirty="0" smtClean="0"/>
+              <a:t>CV_CHAIN_APPROX_SIMPLE : </a:t>
+            </a:r>
+            <a:r>
+              <a:rPr lang="ko-KR" altLang="en-US" dirty="0" smtClean="0"/>
+              <a:t>수평</a:t>
+            </a:r>
+            <a:r>
+              <a:rPr lang="en-US" altLang="ko-KR" dirty="0" smtClean="0"/>
+              <a:t>, </a:t>
+            </a:r>
+            <a:r>
+              <a:rPr lang="ko-KR" altLang="en-US" dirty="0" smtClean="0"/>
+              <a:t>수직</a:t>
+            </a:r>
+            <a:r>
+              <a:rPr lang="en-US" altLang="ko-KR" dirty="0" smtClean="0"/>
+              <a:t>, </a:t>
+            </a:r>
+            <a:r>
+              <a:rPr lang="ko-KR" altLang="en-US" dirty="0" smtClean="0"/>
+              <a:t>대각 방향 압축 </a:t>
+            </a:r>
+            <a:endParaRPr lang="en-US" altLang="ko-KR" dirty="0" smtClean="0"/>
+          </a:p>
+          <a:p>
+            <a:pPr lvl="2"/>
+            <a:r>
+              <a:rPr lang="ko-KR" altLang="en-US" dirty="0" smtClean="0"/>
+              <a:t>기타</a:t>
+            </a:r>
+            <a:r>
+              <a:rPr lang="en-US" altLang="ko-KR" dirty="0" smtClean="0"/>
+              <a:t>..?</a:t>
             </a:r>
           </a:p>
           <a:p>
             <a:pPr lvl="1"/>
-            <a:r>
-              <a:rPr lang="en-US" altLang="ko-KR" dirty="0" smtClean="0"/>
-              <a:t>Mask and pixel points</a:t>
-            </a:r>
+            <a:endParaRPr lang="en-US" altLang="ko-KR" dirty="0" smtClean="0"/>
           </a:p>
           <a:p>
             <a:pPr lvl="1"/>
-            <a:r>
-              <a:rPr lang="en-US" altLang="ko-KR" b="1" dirty="0" smtClean="0"/>
-              <a:t>Extreme points</a:t>
-            </a:r>
-          </a:p>
-          <a:p>
-            <a:r>
-              <a:rPr lang="en-US" altLang="ko-KR" b="1" dirty="0" smtClean="0"/>
-              <a:t>More functions</a:t>
-            </a:r>
+            <a:endParaRPr lang="en-US" altLang="ko-KR" dirty="0" smtClean="0"/>
+          </a:p>
+          <a:p>
+            <a:pPr lvl="2"/>
+            <a:endParaRPr lang="en-US" altLang="ko-KR" dirty="0" smtClean="0"/>
+          </a:p>
+          <a:p>
+            <a:pPr lvl="2"/>
+            <a:endParaRPr lang="en-US" altLang="ko-KR" dirty="0" smtClean="0"/>
+          </a:p>
+          <a:p>
+            <a:pPr lvl="2"/>
+            <a:endParaRPr lang="en-US" altLang="ko-KR" dirty="0" smtClean="0"/>
+          </a:p>
+          <a:p>
+            <a:pPr lvl="2"/>
+            <a:endParaRPr lang="en-US" altLang="ko-KR" dirty="0" smtClean="0"/>
+          </a:p>
+          <a:p>
+            <a:endParaRPr lang="en-US" altLang="ko-KR" dirty="0" smtClean="0"/>
           </a:p>
           <a:p>
             <a:pPr lvl="1"/>
-            <a:r>
-              <a:rPr lang="en-US" altLang="ko-KR" b="1" dirty="0" smtClean="0"/>
-              <a:t>Convexity defect</a:t>
-            </a:r>
-          </a:p>
-          <a:p>
-            <a:pPr lvl="1"/>
-            <a:r>
-              <a:rPr lang="en-US" altLang="ko-KR" b="1" dirty="0" smtClean="0"/>
-              <a:t>Point polygon test</a:t>
-            </a:r>
-          </a:p>
-          <a:p>
-            <a:pPr lvl="1"/>
-            <a:r>
-              <a:rPr lang="en-US" altLang="ko-KR" b="1" dirty="0" smtClean="0"/>
-              <a:t>Match shapes</a:t>
-            </a:r>
-          </a:p>
-          <a:p>
-            <a:r>
-              <a:rPr lang="en-US" altLang="ko-KR" b="1" dirty="0" smtClean="0"/>
-              <a:t>hierarchy</a:t>
-            </a:r>
-            <a:endParaRPr lang="ko-KR" altLang="en-US" b="1" dirty="0"/>
+            <a:endParaRPr lang="en-US" altLang="ko-KR" dirty="0" smtClean="0"/>
           </a:p>
         </p:txBody>
       </p:sp>
     </p:spTree>
     <p:extLst>
       <p:ext uri="{BB962C8B-B14F-4D97-AF65-F5344CB8AC3E}">
-        <p14:creationId xmlns:p14="http://schemas.microsoft.com/office/powerpoint/2010/main" val="1280672999"/>
+        <p14:creationId xmlns:p14="http://schemas.microsoft.com/office/powerpoint/2010/main" xmlns="" val="1928684766"/>
       </p:ext>
     </p:extLst>
   </p:cSld>
@@ -4501,63 +4275,112 @@
           <a:p>
             <a:r>
               <a:rPr lang="en-US" altLang="ko-KR" dirty="0" err="1" smtClean="0"/>
-              <a:t>findContour</a:t>
-            </a:r>
-            <a:r>
-              <a:rPr lang="en-US" altLang="ko-KR" dirty="0" smtClean="0"/>
-              <a:t>, </a:t>
+              <a:t>drawContours</a:t>
+            </a:r>
+            <a:endParaRPr lang="ko-KR" altLang="en-US" dirty="0"/>
+          </a:p>
+        </p:txBody>
+      </p:sp>
+      <p:sp>
+        <p:nvSpPr>
+          <p:cNvPr id="3" name="내용 개체 틀 2"/>
+          <p:cNvSpPr>
+            <a:spLocks noGrp="1"/>
+          </p:cNvSpPr>
+          <p:nvPr>
+            <p:ph idx="1"/>
+          </p:nvPr>
+        </p:nvSpPr>
+        <p:spPr/>
+        <p:txBody>
+          <a:bodyPr/>
+          <a:lstStyle/>
+          <a:p>
+            <a:r>
+              <a:rPr lang="en-US" altLang="ko-KR" dirty="0" smtClean="0"/>
+              <a:t>cv2.drawContours(image, contours, </a:t>
             </a:r>
             <a:r>
               <a:rPr lang="en-US" altLang="ko-KR" dirty="0" err="1" smtClean="0"/>
-              <a:t>drawContour</a:t>
-            </a:r>
-            <a:endParaRPr lang="ko-KR" altLang="en-US" dirty="0"/>
-          </a:p>
-        </p:txBody>
-      </p:sp>
-      <p:sp>
-        <p:nvSpPr>
-          <p:cNvPr id="3" name="내용 개체 틀 2"/>
-          <p:cNvSpPr>
-            <a:spLocks noGrp="1"/>
-          </p:cNvSpPr>
-          <p:nvPr>
-            <p:ph idx="1"/>
-          </p:nvPr>
-        </p:nvSpPr>
-        <p:spPr/>
-        <p:txBody>
-          <a:bodyPr/>
-          <a:lstStyle/>
-          <a:p>
+              <a:t>contourIdx</a:t>
+            </a:r>
+            <a:r>
+              <a:rPr lang="en-US" altLang="ko-KR" dirty="0" smtClean="0"/>
+              <a:t>, color[, thickness[, </a:t>
+            </a:r>
             <a:r>
               <a:rPr lang="en-US" altLang="ko-KR" dirty="0" err="1" smtClean="0"/>
-              <a:t>findContours</a:t>
-            </a:r>
-            <a:r>
-              <a:rPr lang="en-US" altLang="ko-KR" dirty="0" smtClean="0"/>
-              <a:t>(image, mode, method[, contours[, hierarchy[, offset]]]) -&gt; contours, hierarchy</a:t>
+              <a:t>lineType</a:t>
+            </a:r>
+            <a:r>
+              <a:rPr lang="en-US" altLang="ko-KR" dirty="0" smtClean="0"/>
+              <a:t>[, hierarchy[, </a:t>
+            </a:r>
+            <a:r>
+              <a:rPr lang="en-US" altLang="ko-KR" dirty="0" err="1" smtClean="0"/>
+              <a:t>maxLevel</a:t>
+            </a:r>
+            <a:r>
+              <a:rPr lang="en-US" altLang="ko-KR" dirty="0" smtClean="0"/>
+              <a:t>[, offset]]]]]) → </a:t>
+            </a:r>
+            <a:r>
+              <a:rPr lang="en-US" altLang="ko-KR" dirty="0" smtClean="0"/>
+              <a:t>image</a:t>
             </a:r>
           </a:p>
           <a:p>
             <a:pPr lvl="1"/>
             <a:r>
               <a:rPr lang="en-US" altLang="ko-KR" dirty="0" smtClean="0"/>
-              <a:t>Image : 8bit single channel image. Non-zero treated as 1</a:t>
+              <a:t>Image : destination image (</a:t>
+            </a:r>
+            <a:r>
+              <a:rPr lang="ko-KR" altLang="en-US" dirty="0" smtClean="0"/>
+              <a:t>원본에 덧댐</a:t>
+            </a:r>
+            <a:r>
+              <a:rPr lang="en-US" altLang="ko-KR" dirty="0" smtClean="0"/>
+              <a:t>)</a:t>
             </a:r>
           </a:p>
           <a:p>
             <a:pPr lvl="1"/>
             <a:r>
               <a:rPr lang="en-US" altLang="ko-KR" dirty="0" smtClean="0"/>
-              <a:t>Contours : detected contours</a:t>
-            </a:r>
-          </a:p>
-          <a:p>
-            <a:pPr lvl="2"/>
-            <a:r>
-              <a:rPr lang="en-US" altLang="ko-KR" dirty="0" smtClean="0"/>
-              <a:t>Contour</a:t>
+              <a:t>Contours :</a:t>
+            </a:r>
+            <a:r>
+              <a:rPr lang="ko-KR" altLang="en-US" dirty="0" smtClean="0"/>
+              <a:t> </a:t>
+            </a:r>
+            <a:r>
+              <a:rPr lang="en-US" altLang="ko-KR" dirty="0" smtClean="0"/>
+              <a:t>contour </a:t>
+            </a:r>
+            <a:r>
+              <a:rPr lang="ko-KR" altLang="en-US" dirty="0" smtClean="0"/>
+              <a:t>전체</a:t>
+            </a:r>
+            <a:endParaRPr lang="en-US" altLang="ko-KR" dirty="0" smtClean="0"/>
+          </a:p>
+          <a:p>
+            <a:pPr lvl="1"/>
+            <a:r>
+              <a:rPr lang="en-US" altLang="ko-KR" dirty="0" err="1" smtClean="0"/>
+              <a:t>contourIdx</a:t>
+            </a:r>
+            <a:r>
+              <a:rPr lang="en-US" altLang="ko-KR" dirty="0" smtClean="0"/>
+              <a:t> : contours </a:t>
+            </a:r>
+            <a:r>
+              <a:rPr lang="ko-KR" altLang="en-US" dirty="0" smtClean="0"/>
+              <a:t>중 그릴 </a:t>
+            </a:r>
+            <a:r>
+              <a:rPr lang="en-US" altLang="ko-KR" dirty="0" smtClean="0"/>
+              <a:t>contour</a:t>
             </a:r>
             <a:r>
               <a:rPr lang="ko-KR" altLang="en-US" dirty="0" smtClean="0"/>
@@ -4565,17 +4388,40 @@
             </a:r>
             <a:r>
               <a:rPr lang="en-US" altLang="ko-KR" dirty="0" smtClean="0"/>
-              <a:t>pixel</a:t>
-            </a:r>
-            <a:r>
-              <a:rPr lang="ko-KR" altLang="en-US" smtClean="0"/>
-              <a:t>위치가 </a:t>
-            </a:r>
-            <a:r>
-              <a:rPr lang="en-US" altLang="ko-KR" smtClean="0"/>
-              <a:t>vecto</a:t>
+              <a:t>index. -1</a:t>
+            </a:r>
+            <a:r>
+              <a:rPr lang="ko-KR" altLang="en-US" dirty="0" smtClean="0"/>
+              <a:t>인 경우 전부 그림</a:t>
             </a:r>
             <a:endParaRPr lang="en-US" altLang="ko-KR" dirty="0" smtClean="0"/>
+          </a:p>
+          <a:p>
+            <a:pPr lvl="1"/>
+            <a:r>
+              <a:rPr lang="en-US" altLang="ko-KR" dirty="0" err="1" smtClean="0"/>
+              <a:t>Maxlevel</a:t>
+            </a:r>
+            <a:r>
+              <a:rPr lang="en-US" altLang="ko-KR" dirty="0" smtClean="0"/>
+              <a:t> : </a:t>
+            </a:r>
+            <a:r>
+              <a:rPr lang="ko-KR" altLang="en-US" dirty="0" smtClean="0"/>
+              <a:t>그려질 </a:t>
+            </a:r>
+            <a:r>
+              <a:rPr lang="en-US" altLang="ko-KR" dirty="0" smtClean="0"/>
+              <a:t>contour</a:t>
+            </a:r>
+            <a:r>
+              <a:rPr lang="ko-KR" altLang="en-US" dirty="0" smtClean="0"/>
+              <a:t>의 </a:t>
+            </a:r>
+            <a:r>
+              <a:rPr lang="en-US" altLang="ko-KR" dirty="0" smtClean="0"/>
+              <a:t>hierarchy level</a:t>
+            </a:r>
           </a:p>
           <a:p>
             <a:pPr lvl="1"/>
@@ -4584,11 +4430,6 @@
         </p:txBody>
       </p:sp>
     </p:spTree>
-    <p:extLst>
-      <p:ext uri="{BB962C8B-B14F-4D97-AF65-F5344CB8AC3E}">
-        <p14:creationId xmlns:p14="http://schemas.microsoft.com/office/powerpoint/2010/main" val="1928684766"/>
-      </p:ext>
-    </p:extLst>
   </p:cSld>
   <p:clrMapOvr>
     <a:masterClrMapping/>
@@ -4622,7 +4463,7 @@
           <p:nvPr/>
         </p:nvPicPr>
         <p:blipFill>
-          <a:blip r:embed="rId2"/>
+          <a:blip r:embed="rId2" cstate="print"/>
           <a:stretch>
             <a:fillRect/>
           </a:stretch>
@@ -4671,7 +4512,7 @@
     </p:spTree>
     <p:extLst>
       <p:ext uri="{BB962C8B-B14F-4D97-AF65-F5344CB8AC3E}">
-        <p14:creationId xmlns:p14="http://schemas.microsoft.com/office/powerpoint/2010/main" val="2346772800"/>
+        <p14:creationId xmlns:p14="http://schemas.microsoft.com/office/powerpoint/2010/main" xmlns="" val="2346772800"/>
       </p:ext>
     </p:extLst>
   </p:cSld>
@@ -4930,10 +4771,10 @@
           <p:nvPr/>
         </p:nvPicPr>
         <p:blipFill>
-          <a:blip r:embed="rId2">
+          <a:blip r:embed="rId2" cstate="print">
             <a:extLst>
               <a:ext uri="{28A0092B-C50C-407E-A947-70E740481C1C}">
-                <a14:useLocalDpi xmlns:a14="http://schemas.microsoft.com/office/drawing/2010/main" val="0"/>
+                <a14:useLocalDpi xmlns:a14="http://schemas.microsoft.com/office/drawing/2010/main" xmlns="" val="0"/>
               </a:ext>
             </a:extLst>
           </a:blip>
@@ -4953,7 +4794,7 @@
           <a:noFill/>
           <a:extLst>
             <a:ext uri="{909E8E84-426E-40DD-AFC4-6F175D3DCCD1}">
-              <a14:hiddenFill xmlns:a14="http://schemas.microsoft.com/office/drawing/2010/main">
+              <a14:hiddenFill xmlns:a14="http://schemas.microsoft.com/office/drawing/2010/main" xmlns="">
                 <a:solidFill>
                   <a:srgbClr val="FFFFFF"/>
                 </a:solidFill>
@@ -4965,7 +4806,7 @@
     </p:spTree>
     <p:extLst>
       <p:ext uri="{BB962C8B-B14F-4D97-AF65-F5344CB8AC3E}">
-        <p14:creationId xmlns:p14="http://schemas.microsoft.com/office/powerpoint/2010/main" val="89002897"/>
+        <p14:creationId xmlns:p14="http://schemas.microsoft.com/office/powerpoint/2010/main" xmlns="" val="89002897"/>
       </p:ext>
     </p:extLst>
   </p:cSld>
@@ -5830,7 +5671,7 @@
     </p:spTree>
     <p:extLst>
       <p:ext uri="{BB962C8B-B14F-4D97-AF65-F5344CB8AC3E}">
-        <p14:creationId xmlns:p14="http://schemas.microsoft.com/office/powerpoint/2010/main" val="2773800397"/>
+        <p14:creationId xmlns:p14="http://schemas.microsoft.com/office/powerpoint/2010/main" xmlns="" val="2773800397"/>
       </p:ext>
     </p:extLst>
   </p:cSld>
@@ -5872,61 +5713,92 @@
           <a:bodyPr/>
           <a:lstStyle/>
           <a:p>
+            <a:r>
+              <a:rPr lang="en-US" altLang="ko-KR" dirty="0" smtClean="0"/>
+              <a:t>note</a:t>
+            </a:r>
             <a:endParaRPr lang="ko-KR" altLang="en-US" dirty="0"/>
           </a:p>
         </p:txBody>
       </p:sp>
-      <p:pic>
-        <p:nvPicPr>
-          <p:cNvPr id="5" name="내용 개체 틀 4"/>
-          <p:cNvPicPr>
-            <a:picLocks noGrp="1" noChangeAspect="1"/>
-          </p:cNvPicPr>
+      <p:sp>
+        <p:nvSpPr>
+          <p:cNvPr id="3" name="내용 개체 틀 2"/>
+          <p:cNvSpPr>
+            <a:spLocks noGrp="1"/>
+          </p:cNvSpPr>
           <p:nvPr>
             <p:ph idx="1"/>
           </p:nvPr>
-        </p:nvPicPr>
-        <p:blipFill>
-          <a:blip r:embed="rId2"/>
-          <a:stretch>
-            <a:fillRect/>
-          </a:stretch>
-        </p:blipFill>
-        <p:spPr>
-          <a:xfrm>
-            <a:off x="2158577" y="1825625"/>
-            <a:ext cx="4826845" cy="4351338"/>
-          </a:xfrm>
-          <a:prstGeom prst="rect">
-            <a:avLst/>
-          </a:prstGeom>
-        </p:spPr>
-      </p:pic>
-      <p:sp>
-        <p:nvSpPr>
-          <p:cNvPr id="3" name="TextBox 2"/>
-          <p:cNvSpPr txBox="1"/>
-          <p:nvPr/>
-        </p:nvSpPr>
-        <p:spPr>
-          <a:xfrm>
-            <a:off x="1237673" y="6253018"/>
-            <a:ext cx="4518609" cy="369332"/>
-          </a:xfrm>
-          <a:prstGeom prst="rect">
-            <a:avLst/>
-          </a:prstGeom>
-          <a:noFill/>
-        </p:spPr>
-        <p:txBody>
-          <a:bodyPr wrap="none" rtlCol="0">
-            <a:spAutoFit/>
-          </a:bodyPr>
-          <a:lstStyle/>
-          <a:p>
-            <a:r>
-              <a:rPr lang="en-US" altLang="ko-KR" dirty="0" smtClean="0"/>
-              <a:t>White background(255)</a:t>
+        </p:nvSpPr>
+        <p:spPr/>
+        <p:txBody>
+          <a:bodyPr/>
+          <a:lstStyle/>
+          <a:p>
+            <a:r>
+              <a:rPr lang="en-US" altLang="ko-KR" dirty="0" smtClean="0"/>
+              <a:t>8bit image </a:t>
+            </a:r>
+            <a:r>
+              <a:rPr lang="ko-KR" altLang="en-US" dirty="0" smtClean="0"/>
+              <a:t>사용</a:t>
+            </a:r>
+            <a:endParaRPr lang="en-US" altLang="ko-KR" dirty="0" smtClean="0"/>
+          </a:p>
+          <a:p>
+            <a:r>
+              <a:rPr lang="en-US" altLang="ko-KR" dirty="0" smtClean="0"/>
+              <a:t>0</a:t>
+            </a:r>
+            <a:r>
+              <a:rPr lang="ko-KR" altLang="en-US" dirty="0" smtClean="0"/>
+              <a:t>이외의 값은 </a:t>
+            </a:r>
+            <a:r>
+              <a:rPr lang="en-US" altLang="ko-KR" dirty="0" smtClean="0"/>
+              <a:t>1</a:t>
+            </a:r>
+            <a:r>
+              <a:rPr lang="ko-KR" altLang="en-US" dirty="0" smtClean="0"/>
+              <a:t>로 변환</a:t>
+            </a:r>
+            <a:endParaRPr lang="en-US" altLang="ko-KR" dirty="0" smtClean="0"/>
+          </a:p>
+          <a:p>
+            <a:r>
+              <a:rPr lang="en-US" altLang="ko-KR" dirty="0" smtClean="0"/>
+              <a:t>Binary image</a:t>
+            </a:r>
+            <a:r>
+              <a:rPr lang="ko-KR" altLang="en-US" dirty="0" smtClean="0"/>
+              <a:t>사용 권장 </a:t>
+            </a:r>
+            <a:r>
+              <a:rPr lang="en-US" altLang="ko-KR" dirty="0" smtClean="0"/>
+              <a:t>( threshold</a:t>
+            </a:r>
+            <a:r>
+              <a:rPr lang="ko-KR" altLang="en-US" dirty="0" smtClean="0"/>
+              <a:t>나 </a:t>
+            </a:r>
+            <a:r>
+              <a:rPr lang="en-US" altLang="ko-KR" dirty="0" smtClean="0"/>
+              <a:t>canny </a:t>
+            </a:r>
+            <a:r>
+              <a:rPr lang="ko-KR" altLang="en-US" dirty="0" smtClean="0"/>
+              <a:t>사용</a:t>
+            </a:r>
+            <a:r>
+              <a:rPr lang="en-US" altLang="ko-KR" dirty="0" smtClean="0"/>
+              <a:t>)</a:t>
+            </a:r>
+          </a:p>
+          <a:p>
+            <a:r>
+              <a:rPr lang="en-US" altLang="ko-KR" dirty="0" smtClean="0"/>
+              <a:t>Black background</a:t>
             </a:r>
             <a:r>
               <a:rPr lang="ko-KR" altLang="en-US" dirty="0" smtClean="0"/>
@@ -5934,22 +5806,57 @@
             </a:r>
             <a:r>
               <a:rPr lang="en-US" altLang="ko-KR" dirty="0" smtClean="0"/>
-              <a:t>black(0)</a:t>
-            </a:r>
-            <a:r>
-              <a:rPr lang="ko-KR" altLang="en-US" dirty="0" smtClean="0"/>
-              <a:t>찾음</a:t>
+              <a:t>white object</a:t>
+            </a:r>
+            <a:r>
+              <a:rPr lang="ko-KR" altLang="en-US" dirty="0" smtClean="0"/>
+              <a:t>를 찾음 </a:t>
+            </a:r>
+            <a:endParaRPr lang="en-US" altLang="ko-KR" dirty="0" smtClean="0"/>
+          </a:p>
+          <a:p>
+            <a:pPr lvl="1"/>
+            <a:r>
+              <a:rPr lang="en-US" altLang="ko-KR" dirty="0" err="1" smtClean="0"/>
+              <a:t>Pyplot</a:t>
+            </a:r>
+            <a:r>
+              <a:rPr lang="ko-KR" altLang="en-US" dirty="0" smtClean="0"/>
+              <a:t>에서 </a:t>
+            </a:r>
+            <a:r>
+              <a:rPr lang="en-US" altLang="ko-KR" dirty="0" err="1" smtClean="0"/>
+              <a:t>cmap</a:t>
+            </a:r>
+            <a:r>
+              <a:rPr lang="en-US" altLang="ko-KR" dirty="0" smtClean="0"/>
+              <a:t>=‘</a:t>
+            </a:r>
+            <a:r>
+              <a:rPr lang="en-US" altLang="ko-KR" dirty="0" err="1" smtClean="0"/>
+              <a:t>Greys’</a:t>
+            </a:r>
+            <a:r>
+              <a:rPr lang="ko-KR" altLang="en-US" dirty="0" smtClean="0"/>
+              <a:t>로 </a:t>
+            </a:r>
+            <a:r>
+              <a:rPr lang="en-US" altLang="ko-KR" dirty="0" smtClean="0"/>
+              <a:t>plot</a:t>
+            </a:r>
+            <a:r>
+              <a:rPr lang="ko-KR" altLang="en-US" dirty="0" smtClean="0"/>
+              <a:t>하면 반대임</a:t>
+            </a:r>
+            <a:r>
+              <a:rPr lang="en-US" altLang="ko-KR" dirty="0" smtClean="0"/>
+              <a:t>..</a:t>
             </a:r>
             <a:endParaRPr lang="ko-KR" altLang="en-US" dirty="0"/>
           </a:p>
         </p:txBody>
       </p:sp>
     </p:spTree>
-    <p:extLst>
-      <p:ext uri="{BB962C8B-B14F-4D97-AF65-F5344CB8AC3E}">
-        <p14:creationId xmlns:p14="http://schemas.microsoft.com/office/powerpoint/2010/main" val="1394672348"/>
-      </p:ext>
-    </p:extLst>
   </p:cSld>
   <p:clrMapOvr>
     <a:masterClrMapping/>
@@ -5983,14 +5890,14 @@
           <p:nvPr/>
         </p:nvPicPr>
         <p:blipFill>
-          <a:blip r:embed="rId2"/>
+          <a:blip r:embed="rId2" cstate="print"/>
           <a:stretch>
             <a:fillRect/>
           </a:stretch>
         </p:blipFill>
         <p:spPr>
           <a:xfrm>
-            <a:off x="-215822" y="1551008"/>
+            <a:off x="0" y="1485106"/>
             <a:ext cx="6165207" cy="4198719"/>
           </a:xfrm>
           <a:prstGeom prst="rect">
@@ -6137,7 +6044,7 @@
     </p:spTree>
     <p:extLst>
       <p:ext uri="{BB962C8B-B14F-4D97-AF65-F5344CB8AC3E}">
-        <p14:creationId xmlns:p14="http://schemas.microsoft.com/office/powerpoint/2010/main" val="3005818886"/>
+        <p14:creationId xmlns:p14="http://schemas.microsoft.com/office/powerpoint/2010/main" xmlns="" val="3005818886"/>
       </p:ext>
     </p:extLst>
   </p:cSld>
@@ -6215,7 +6122,7 @@
           <p:nvPr/>
         </p:nvPicPr>
         <p:blipFill>
-          <a:blip r:embed="rId2"/>
+          <a:blip r:embed="rId2" cstate="print"/>
           <a:stretch>
             <a:fillRect/>
           </a:stretch>
@@ -6276,7 +6183,7 @@
     </p:spTree>
     <p:extLst>
       <p:ext uri="{BB962C8B-B14F-4D97-AF65-F5344CB8AC3E}">
-        <p14:creationId xmlns:p14="http://schemas.microsoft.com/office/powerpoint/2010/main" val="3188742170"/>
+        <p14:creationId xmlns:p14="http://schemas.microsoft.com/office/powerpoint/2010/main" xmlns="" val="3188742170"/>
       </p:ext>
     </p:extLst>
   </p:cSld>
@@ -6319,8 +6226,8 @@
           <a:lstStyle/>
           <a:p>
             <a:r>
-              <a:rPr lang="en-US" altLang="ko-KR" dirty="0" smtClean="0"/>
-              <a:t>hierarchy</a:t>
+              <a:rPr lang="ko-KR" altLang="en-US" dirty="0" smtClean="0"/>
+              <a:t>예시 </a:t>
             </a:r>
             <a:endParaRPr lang="ko-KR" altLang="en-US" dirty="0"/>
           </a:p>
@@ -6338,8 +6245,8 @@
         </p:nvSpPr>
         <p:spPr>
           <a:xfrm>
-            <a:off x="628650" y="1690689"/>
-            <a:ext cx="7886700" cy="4486273"/>
+            <a:off x="628650" y="4415481"/>
+            <a:ext cx="7886700" cy="1761482"/>
           </a:xfrm>
         </p:spPr>
         <p:txBody>
@@ -6347,47 +6254,172 @@
           <a:lstStyle/>
           <a:p>
             <a:r>
-              <a:rPr lang="ko-KR" altLang="en-US" dirty="0" smtClean="0"/>
-              <a:t>바깥에 있는 </a:t>
-            </a:r>
-            <a:r>
-              <a:rPr lang="en-US" altLang="ko-KR" dirty="0" smtClean="0"/>
-              <a:t>contour : parent</a:t>
-            </a:r>
-          </a:p>
-          <a:p>
-            <a:r>
-              <a:rPr lang="ko-KR" altLang="en-US" dirty="0" smtClean="0"/>
-              <a:t>안에 있는 </a:t>
-            </a:r>
-            <a:r>
-              <a:rPr lang="en-US" altLang="ko-KR" dirty="0" smtClean="0"/>
-              <a:t>contour : child</a:t>
-            </a:r>
-          </a:p>
-          <a:p>
-            <a:r>
-              <a:rPr lang="en-US" altLang="ko-KR" dirty="0" smtClean="0"/>
-              <a:t>Contour </a:t>
-            </a:r>
-            <a:r>
-              <a:rPr lang="ko-KR" altLang="en-US" dirty="0" smtClean="0"/>
-              <a:t>사이 관계 </a:t>
-            </a:r>
-            <a:r>
-              <a:rPr lang="en-US" altLang="ko-KR" dirty="0" smtClean="0"/>
-              <a:t>: hierarchy</a:t>
-            </a:r>
-            <a:endParaRPr lang="ko-KR" altLang="en-US" dirty="0"/>
+              <a:rPr lang="en-US" altLang="ko-KR" dirty="0" smtClean="0"/>
+              <a:t>Simple Boundary Follower (SBF)</a:t>
+            </a:r>
+          </a:p>
+          <a:p>
+            <a:pPr lvl="1"/>
+            <a:r>
+              <a:rPr lang="en-US" altLang="ko-KR" dirty="0" smtClean="0"/>
+              <a:t>Tracer</a:t>
+            </a:r>
+            <a:r>
+              <a:rPr lang="ko-KR" altLang="en-US" dirty="0" smtClean="0"/>
+              <a:t>가 </a:t>
+            </a:r>
+            <a:r>
+              <a:rPr lang="en-US" altLang="ko-KR" dirty="0" smtClean="0"/>
+              <a:t>white pixel</a:t>
+            </a:r>
+            <a:r>
+              <a:rPr lang="ko-KR" altLang="en-US" dirty="0" smtClean="0"/>
+              <a:t>에 도달</a:t>
+            </a:r>
+            <a:r>
+              <a:rPr lang="en-US" altLang="ko-KR" dirty="0" smtClean="0"/>
+              <a:t> </a:t>
+            </a:r>
+            <a:r>
+              <a:rPr lang="en-US" altLang="ko-KR" dirty="0" smtClean="0"/>
+              <a:t>-&gt; Tracer</a:t>
+            </a:r>
+            <a:r>
+              <a:rPr lang="ko-KR" altLang="en-US" dirty="0" smtClean="0"/>
+              <a:t>가 왼쪽으로 진행</a:t>
+            </a:r>
+            <a:endParaRPr lang="en-US" altLang="ko-KR" dirty="0" smtClean="0"/>
+          </a:p>
+          <a:p>
+            <a:pPr lvl="1"/>
+            <a:r>
+              <a:rPr lang="en-US" altLang="ko-KR" dirty="0" smtClean="0"/>
+              <a:t>Tracer</a:t>
+            </a:r>
+            <a:r>
+              <a:rPr lang="ko-KR" altLang="en-US" dirty="0" smtClean="0"/>
+              <a:t>가 </a:t>
+            </a:r>
+            <a:r>
+              <a:rPr lang="en-US" altLang="ko-KR" dirty="0" smtClean="0"/>
+              <a:t>black pixel</a:t>
+            </a:r>
+            <a:r>
+              <a:rPr lang="ko-KR" altLang="en-US" dirty="0" smtClean="0"/>
+              <a:t>에 도달 </a:t>
+            </a:r>
+            <a:r>
+              <a:rPr lang="en-US" altLang="ko-KR" dirty="0" smtClean="0"/>
+              <a:t>-&gt; tracer</a:t>
+            </a:r>
+            <a:r>
+              <a:rPr lang="ko-KR" altLang="en-US" dirty="0" smtClean="0"/>
+              <a:t>가 오른쪽으로 진행</a:t>
+            </a:r>
+            <a:endParaRPr lang="en-US" altLang="ko-KR" dirty="0" smtClean="0"/>
+          </a:p>
+          <a:p>
+            <a:r>
+              <a:rPr lang="en-US" altLang="ko-KR" dirty="0" smtClean="0"/>
+              <a:t>Modified Simple Boundary Follower (MSBF)</a:t>
+            </a:r>
+          </a:p>
+          <a:p>
+            <a:pPr lvl="1"/>
+            <a:r>
+              <a:rPr lang="ko-KR" altLang="en-US" dirty="0" smtClean="0"/>
+              <a:t>추가 </a:t>
+            </a:r>
+            <a:r>
+              <a:rPr lang="en-US" altLang="ko-KR" dirty="0" smtClean="0"/>
+              <a:t>– Tracer</a:t>
+            </a:r>
+            <a:r>
+              <a:rPr lang="ko-KR" altLang="en-US" dirty="0" smtClean="0"/>
+              <a:t>의 왼쪽 뒤에 </a:t>
+            </a:r>
+            <a:r>
+              <a:rPr lang="en-US" altLang="ko-KR" dirty="0" smtClean="0"/>
+              <a:t>white pixel</a:t>
+            </a:r>
+            <a:r>
+              <a:rPr lang="ko-KR" altLang="en-US" dirty="0" smtClean="0"/>
+              <a:t>이 있는 경우 </a:t>
+            </a:r>
+            <a:r>
+              <a:rPr lang="en-US" altLang="ko-KR" dirty="0" smtClean="0"/>
+              <a:t>-&gt; </a:t>
+            </a:r>
+            <a:r>
+              <a:rPr lang="ko-KR" altLang="en-US" dirty="0" smtClean="0"/>
+              <a:t>왼쪽 뒤로 진행 </a:t>
+            </a:r>
+            <a:endParaRPr lang="en-US" altLang="ko-KR" dirty="0" smtClean="0"/>
+          </a:p>
+        </p:txBody>
+      </p:sp>
+      <p:pic>
+        <p:nvPicPr>
+          <p:cNvPr id="1027" name="Picture 3"/>
+          <p:cNvPicPr>
+            <a:picLocks noChangeAspect="1" noChangeArrowheads="1"/>
+          </p:cNvPicPr>
+          <p:nvPr/>
+        </p:nvPicPr>
+        <p:blipFill>
+          <a:blip r:embed="rId2" cstate="print"/>
+          <a:srcRect/>
+          <a:stretch>
+            <a:fillRect/>
+          </a:stretch>
+        </p:blipFill>
+        <p:spPr bwMode="auto">
+          <a:xfrm>
+            <a:off x="1756719" y="1780660"/>
+            <a:ext cx="5334000" cy="2571750"/>
+          </a:xfrm>
+          <a:prstGeom prst="rect">
+            <a:avLst/>
+          </a:prstGeom>
+          <a:noFill/>
+          <a:ln w="9525">
+            <a:noFill/>
+            <a:miter lim="800000"/>
+            <a:headEnd/>
+            <a:tailEnd/>
+          </a:ln>
+        </p:spPr>
+      </p:pic>
+      <p:sp>
+        <p:nvSpPr>
+          <p:cNvPr id="6" name="직사각형 5"/>
+          <p:cNvSpPr/>
+          <p:nvPr/>
+        </p:nvSpPr>
+        <p:spPr>
+          <a:xfrm>
+            <a:off x="4452552" y="6237757"/>
+            <a:ext cx="4572000" cy="492443"/>
+          </a:xfrm>
+          <a:prstGeom prst="rect">
+            <a:avLst/>
+          </a:prstGeom>
+        </p:spPr>
+        <p:txBody>
+          <a:bodyPr>
+            <a:spAutoFit/>
+          </a:bodyPr>
+          <a:lstStyle/>
+          <a:p>
+            <a:r>
+              <a:rPr lang="en-US" altLang="ko-KR" sz="1300" dirty="0" smtClean="0"/>
+              <a:t>Fast Contour-Tracing Algorithm Based on a Pixel-Following Method for Image Sensors</a:t>
+            </a:r>
+            <a:endParaRPr lang="ko-KR" altLang="en-US" sz="1300" dirty="0"/>
           </a:p>
         </p:txBody>
       </p:sp>
     </p:spTree>
-    <p:extLst>
-      <p:ext uri="{BB962C8B-B14F-4D97-AF65-F5344CB8AC3E}">
-        <p14:creationId xmlns:p14="http://schemas.microsoft.com/office/powerpoint/2010/main" val="283382268"/>
-      </p:ext>
-    </p:extLst>
   </p:cSld>
   <p:clrMapOvr>
     <a:masterClrMapping/>
@@ -6428,8 +6460,8 @@
           <a:lstStyle/>
           <a:p>
             <a:r>
-              <a:rPr lang="ko-KR" altLang="en-US" dirty="0" smtClean="0"/>
-              <a:t>예시</a:t>
+              <a:rPr lang="en-US" altLang="ko-KR" dirty="0" smtClean="0"/>
+              <a:t>hierarchy</a:t>
             </a:r>
             <a:endParaRPr lang="ko-KR" altLang="en-US" dirty="0"/>
           </a:p>
@@ -6447,86 +6479,54 @@
         </p:nvSpPr>
         <p:spPr>
           <a:xfrm>
-            <a:off x="628650" y="4632961"/>
-            <a:ext cx="7886700" cy="1446466"/>
+            <a:off x="628650" y="1690689"/>
+            <a:ext cx="7886700" cy="4486273"/>
           </a:xfrm>
         </p:spPr>
         <p:txBody>
-          <a:bodyPr>
-            <a:normAutofit lnSpcReduction="10000"/>
-          </a:bodyPr>
-          <a:lstStyle/>
-          <a:p>
-            <a:r>
-              <a:rPr lang="en-US" altLang="ko-KR" dirty="0" smtClean="0"/>
-              <a:t>0, 1, 2 : hierarchy-0, same hierarchy level</a:t>
-            </a:r>
-          </a:p>
-          <a:p>
-            <a:r>
-              <a:rPr lang="en-US" altLang="ko-KR" dirty="0" smtClean="0"/>
-              <a:t>2a : child of contour-2, hierarchy-1</a:t>
-            </a:r>
-          </a:p>
-          <a:p>
-            <a:r>
-              <a:rPr lang="en-US" altLang="ko-KR" dirty="0" smtClean="0"/>
-              <a:t>3 : child of contour-2, hierarchy-2</a:t>
-            </a:r>
-          </a:p>
-          <a:p>
-            <a:r>
-              <a:rPr lang="en-US" altLang="ko-KR" dirty="0" smtClean="0"/>
-              <a:t>4, 5 : child of contour 3-a</a:t>
-            </a:r>
-          </a:p>
-        </p:txBody>
-      </p:sp>
-      <p:pic>
-        <p:nvPicPr>
-          <p:cNvPr id="4" name="Picture 4" descr="Hierarchy Representation"/>
-          <p:cNvPicPr>
-            <a:picLocks noChangeAspect="1" noChangeArrowheads="1"/>
-          </p:cNvPicPr>
-          <p:nvPr/>
-        </p:nvPicPr>
-        <p:blipFill>
-          <a:blip r:embed="rId2">
-            <a:extLst>
-              <a:ext uri="{28A0092B-C50C-407E-A947-70E740481C1C}">
-                <a14:useLocalDpi xmlns:a14="http://schemas.microsoft.com/office/drawing/2010/main" val="0"/>
-              </a:ext>
-            </a:extLst>
-          </a:blip>
-          <a:srcRect/>
-          <a:stretch>
-            <a:fillRect/>
-          </a:stretch>
-        </p:blipFill>
-        <p:spPr bwMode="auto">
-          <a:xfrm>
-            <a:off x="484759" y="1556577"/>
-            <a:ext cx="4286250" cy="2781300"/>
-          </a:xfrm>
-          <a:prstGeom prst="rect">
-            <a:avLst/>
-          </a:prstGeom>
-          <a:noFill/>
-          <a:extLst>
-            <a:ext uri="{909E8E84-426E-40DD-AFC4-6F175D3DCCD1}">
-              <a14:hiddenFill xmlns:a14="http://schemas.microsoft.com/office/drawing/2010/main">
-                <a:solidFill>
-                  <a:srgbClr val="FFFFFF"/>
-                </a:solidFill>
-              </a14:hiddenFill>
-            </a:ext>
-          </a:extLst>
-        </p:spPr>
-      </p:pic>
+          <a:bodyPr/>
+          <a:lstStyle/>
+          <a:p>
+            <a:r>
+              <a:rPr lang="ko-KR" altLang="en-US" dirty="0" smtClean="0"/>
+              <a:t>바깥에 있는 </a:t>
+            </a:r>
+            <a:r>
+              <a:rPr lang="en-US" altLang="ko-KR" dirty="0" smtClean="0"/>
+              <a:t>contour : parent</a:t>
+            </a:r>
+          </a:p>
+          <a:p>
+            <a:r>
+              <a:rPr lang="ko-KR" altLang="en-US" dirty="0" smtClean="0"/>
+              <a:t>안에 있는 </a:t>
+            </a:r>
+            <a:r>
+              <a:rPr lang="en-US" altLang="ko-KR" dirty="0" smtClean="0"/>
+              <a:t>contour : child</a:t>
+            </a:r>
+          </a:p>
+          <a:p>
+            <a:r>
+              <a:rPr lang="en-US" altLang="ko-KR" dirty="0" smtClean="0"/>
+              <a:t>Contour </a:t>
+            </a:r>
+            <a:r>
+              <a:rPr lang="ko-KR" altLang="en-US" dirty="0" smtClean="0"/>
+              <a:t>사이 관계 </a:t>
+            </a:r>
+            <a:r>
+              <a:rPr lang="en-US" altLang="ko-KR" dirty="0" smtClean="0"/>
+              <a:t>: hierarchy</a:t>
+            </a:r>
+            <a:endParaRPr lang="ko-KR" altLang="en-US" dirty="0"/>
+          </a:p>
+        </p:txBody>
+      </p:sp>
     </p:spTree>
     <p:extLst>
       <p:ext uri="{BB962C8B-B14F-4D97-AF65-F5344CB8AC3E}">
-        <p14:creationId xmlns:p14="http://schemas.microsoft.com/office/powerpoint/2010/main" val="2989134236"/>
+        <p14:creationId xmlns:p14="http://schemas.microsoft.com/office/powerpoint/2010/main" xmlns="" val="283382268"/>
       </p:ext>
     </p:extLst>
   </p:cSld>
@@ -6569,12 +6569,8 @@
           <a:lstStyle/>
           <a:p>
             <a:r>
-              <a:rPr lang="en-US" altLang="ko-KR" dirty="0" smtClean="0"/>
-              <a:t>Contour detection algorithm in </a:t>
-            </a:r>
-            <a:r>
-              <a:rPr lang="en-US" altLang="ko-KR" dirty="0" err="1" smtClean="0"/>
-              <a:t>opencv</a:t>
+              <a:rPr lang="ko-KR" altLang="en-US" dirty="0" smtClean="0"/>
+              <a:t>예시</a:t>
             </a:r>
             <a:endParaRPr lang="ko-KR" altLang="en-US" dirty="0"/>
           </a:p>
@@ -6592,129 +6588,86 @@
         </p:nvSpPr>
         <p:spPr>
           <a:xfrm>
-            <a:off x="4456254" y="1382933"/>
-            <a:ext cx="4059096" cy="4794029"/>
+            <a:off x="628650" y="4632961"/>
+            <a:ext cx="7886700" cy="1446466"/>
           </a:xfrm>
         </p:spPr>
         <p:txBody>
-          <a:bodyPr/>
-          <a:lstStyle/>
-          <a:p>
-            <a:r>
-              <a:rPr lang="en-US" altLang="ko-KR" dirty="0" smtClean="0"/>
-              <a:t>Border </a:t>
-            </a:r>
-            <a:r>
-              <a:rPr lang="ko-KR" altLang="en-US" dirty="0" smtClean="0"/>
-              <a:t>사이 </a:t>
-            </a:r>
-            <a:r>
-              <a:rPr lang="en-US" altLang="ko-KR" dirty="0" err="1" smtClean="0"/>
-              <a:t>reletion</a:t>
-            </a:r>
-            <a:r>
-              <a:rPr lang="en-US" altLang="ko-KR" dirty="0" smtClean="0"/>
-              <a:t> </a:t>
-            </a:r>
-            <a:r>
-              <a:rPr lang="ko-KR" altLang="en-US" dirty="0" smtClean="0"/>
-              <a:t>얻는 방법에 대해</a:t>
-            </a:r>
-            <a:r>
-              <a:rPr lang="en-US" altLang="ko-KR" dirty="0" smtClean="0"/>
-              <a:t>. </a:t>
-            </a:r>
-          </a:p>
-          <a:p>
-            <a:r>
-              <a:rPr lang="en-US" altLang="ko-KR" dirty="0" smtClean="0"/>
-              <a:t>Border following</a:t>
-            </a:r>
-            <a:r>
-              <a:rPr lang="ko-KR" altLang="en-US" dirty="0" smtClean="0"/>
-              <a:t>은 다른 논문</a:t>
-            </a:r>
-            <a:r>
-              <a:rPr lang="en-US" altLang="ko-KR" dirty="0" smtClean="0"/>
-              <a:t>.</a:t>
-            </a:r>
-          </a:p>
-          <a:p>
-            <a:endParaRPr lang="en-US" altLang="ko-KR" dirty="0"/>
-          </a:p>
-          <a:p>
-            <a:endParaRPr lang="ko-KR" altLang="en-US" dirty="0"/>
+          <a:bodyPr>
+            <a:normAutofit lnSpcReduction="10000"/>
+          </a:bodyPr>
+          <a:lstStyle/>
+          <a:p>
+            <a:r>
+              <a:rPr lang="en-US" altLang="ko-KR" dirty="0" smtClean="0"/>
+              <a:t>0, 1, 2 : hierarchy-0, same hierarchy level</a:t>
+            </a:r>
+          </a:p>
+          <a:p>
+            <a:r>
+              <a:rPr lang="en-US" altLang="ko-KR" dirty="0" smtClean="0"/>
+              <a:t>2a : child of contour-2, hierarchy-1</a:t>
+            </a:r>
+          </a:p>
+          <a:p>
+            <a:r>
+              <a:rPr lang="en-US" altLang="ko-KR" dirty="0" smtClean="0"/>
+              <a:t>3 : child of contour-2, hierarchy-2</a:t>
+            </a:r>
+          </a:p>
+          <a:p>
+            <a:r>
+              <a:rPr lang="en-US" altLang="ko-KR" dirty="0" smtClean="0"/>
+              <a:t>4, 5 : child of contour 3-a</a:t>
+            </a:r>
           </a:p>
         </p:txBody>
       </p:sp>
       <p:pic>
         <p:nvPicPr>
-          <p:cNvPr id="4" name="그림 3"/>
+          <p:cNvPr id="4" name="Picture 4" descr="Hierarchy Representation"/>
           <p:cNvPicPr>
-            <a:picLocks noChangeAspect="1"/>
+            <a:picLocks noChangeAspect="1" noChangeArrowheads="1"/>
           </p:cNvPicPr>
           <p:nvPr/>
         </p:nvPicPr>
         <p:blipFill>
-          <a:blip r:embed="rId2"/>
+          <a:blip r:embed="rId2" cstate="print">
+            <a:extLst>
+              <a:ext uri="{28A0092B-C50C-407E-A947-70E740481C1C}">
+                <a14:useLocalDpi xmlns:a14="http://schemas.microsoft.com/office/drawing/2010/main" xmlns="" val="0"/>
+              </a:ext>
+            </a:extLst>
+          </a:blip>
+          <a:srcRect/>
           <a:stretch>
             <a:fillRect/>
           </a:stretch>
         </p:blipFill>
-        <p:spPr>
+        <p:spPr bwMode="auto">
           <a:xfrm>
-            <a:off x="1270322" y="1382933"/>
-            <a:ext cx="2448856" cy="5101783"/>
+            <a:off x="1819288" y="1548340"/>
+            <a:ext cx="4286250" cy="2781300"/>
           </a:xfrm>
           <a:prstGeom prst="rect">
             <a:avLst/>
           </a:prstGeom>
+          <a:noFill/>
+          <a:extLst>
+            <a:ext uri="{909E8E84-426E-40DD-AFC4-6F175D3DCCD1}">
+              <a14:hiddenFill xmlns:a14="http://schemas.microsoft.com/office/drawing/2010/main" xmlns="">
+                <a:solidFill>
+                  <a:srgbClr val="FFFFFF"/>
+                </a:solidFill>
+              </a14:hiddenFill>
+            </a:ext>
+          </a:extLst>
         </p:spPr>
       </p:pic>
-      <p:sp>
-        <p:nvSpPr>
-          <p:cNvPr id="6" name="직사각형 5"/>
-          <p:cNvSpPr/>
-          <p:nvPr/>
-        </p:nvSpPr>
-        <p:spPr>
-          <a:xfrm>
-            <a:off x="3536066" y="6184634"/>
-            <a:ext cx="4572000" cy="600164"/>
-          </a:xfrm>
-          <a:prstGeom prst="rect">
-            <a:avLst/>
-          </a:prstGeom>
-        </p:spPr>
-        <p:txBody>
-          <a:bodyPr>
-            <a:spAutoFit/>
-          </a:bodyPr>
-          <a:lstStyle/>
-          <a:p>
-            <a:r>
-              <a:rPr lang="en-US" altLang="ko-KR" sz="1100" dirty="0" smtClean="0"/>
-              <a:t>Suzuki, S. and Abe, K., </a:t>
-            </a:r>
-            <a:r>
-              <a:rPr lang="en-US" altLang="ko-KR" sz="1100" i="1" dirty="0" smtClean="0"/>
-              <a:t>Topological Structural Analysis of Digitized Binary Images by Border Following</a:t>
-            </a:r>
-            <a:r>
-              <a:rPr lang="en-US" altLang="ko-KR" sz="1100" dirty="0" smtClean="0"/>
-              <a:t>. CVGIP 30 1, pp 32-46 (1985)</a:t>
-            </a:r>
-            <a:endParaRPr lang="ko-KR" altLang="en-US" sz="1100" dirty="0" smtClean="0"/>
-          </a:p>
-          <a:p>
-            <a:endParaRPr lang="ko-KR" altLang="en-US" sz="1100" dirty="0"/>
-          </a:p>
-        </p:txBody>
-      </p:sp>
     </p:spTree>
     <p:extLst>
       <p:ext uri="{BB962C8B-B14F-4D97-AF65-F5344CB8AC3E}">
-        <p14:creationId xmlns:p14="http://schemas.microsoft.com/office/powerpoint/2010/main" val="108792510"/>
+        <p14:creationId xmlns:p14="http://schemas.microsoft.com/office/powerpoint/2010/main" xmlns="" val="2989134236"/>
       </p:ext>
     </p:extLst>
   </p:cSld>
@@ -6749,8 +6702,8 @@
         </p:nvSpPr>
         <p:spPr>
           <a:xfrm>
-            <a:off x="767546" y="1690689"/>
-            <a:ext cx="6139758" cy="3693319"/>
+            <a:off x="269834" y="1454458"/>
+            <a:ext cx="5060553" cy="3970318"/>
           </a:xfrm>
           <a:prstGeom prst="rect">
             <a:avLst/>
@@ -6768,7 +6721,11 @@
             </a:pPr>
             <a:r>
               <a:rPr lang="en-US" altLang="ko-KR" dirty="0" smtClean="0"/>
-              <a:t>Raster scan</a:t>
+              <a:t>Raster </a:t>
+            </a:r>
+            <a:r>
+              <a:rPr lang="en-US" altLang="ko-KR" dirty="0" smtClean="0"/>
+              <a:t>scan</a:t>
             </a:r>
           </a:p>
           <a:p>
@@ -6844,16 +6801,28 @@
               <a:buChar char="-"/>
             </a:pPr>
             <a:r>
-              <a:rPr lang="en-US" altLang="ko-KR" dirty="0" smtClean="0"/>
-              <a:t>The </a:t>
-            </a:r>
-            <a:r>
-              <a:rPr lang="en-US" altLang="ko-KR" dirty="0"/>
-              <a:t>border following scheme is the classical one [l-3</a:t>
-            </a:r>
-            <a:r>
-              <a:rPr lang="en-US" altLang="ko-KR" dirty="0" smtClean="0"/>
-              <a:t>];</a:t>
+              <a:rPr lang="ko-KR" altLang="en-US" dirty="0" smtClean="0"/>
+              <a:t>오른쪽이</a:t>
+            </a:r>
+            <a:r>
+              <a:rPr lang="en-US" altLang="ko-KR" dirty="0" smtClean="0"/>
+              <a:t> 0, </a:t>
+            </a:r>
+            <a:r>
+              <a:rPr lang="ko-KR" altLang="en-US" dirty="0" smtClean="0"/>
+              <a:t>해당 </a:t>
+            </a:r>
+            <a:r>
+              <a:rPr lang="en-US" altLang="ko-KR" dirty="0" smtClean="0"/>
+              <a:t>pixel</a:t>
+            </a:r>
+            <a:r>
+              <a:rPr lang="ko-KR" altLang="en-US" dirty="0" smtClean="0"/>
+              <a:t>이 </a:t>
+            </a:r>
+            <a:r>
+              <a:rPr lang="en-US" altLang="ko-KR" dirty="0" smtClean="0"/>
+              <a:t>1 -&gt; -NBD</a:t>
             </a:r>
           </a:p>
           <a:p>
@@ -6861,12 +6830,35 @@
               <a:buFontTx/>
               <a:buChar char="-"/>
             </a:pPr>
+            <a:r>
+              <a:rPr lang="ko-KR" altLang="en-US" dirty="0" smtClean="0"/>
+              <a:t>이외의 경우 </a:t>
+            </a:r>
+            <a:r>
+              <a:rPr lang="en-US" altLang="ko-KR" dirty="0" smtClean="0"/>
+              <a:t>-&gt; NBD </a:t>
+            </a:r>
+          </a:p>
+          <a:p>
+            <a:pPr marL="742950" lvl="1" indent="-285750">
+              <a:buFontTx/>
+              <a:buChar char="-"/>
+            </a:pPr>
+            <a:r>
+              <a:rPr lang="ko-KR" altLang="en-US" dirty="0" smtClean="0"/>
+              <a:t>이미 한번 지나간 경우 </a:t>
+            </a:r>
+            <a:r>
+              <a:rPr lang="en-US" altLang="ko-KR" dirty="0" smtClean="0"/>
+              <a:t>: </a:t>
+            </a:r>
+            <a:r>
+              <a:rPr lang="ko-KR" altLang="en-US" dirty="0" err="1" smtClean="0"/>
+              <a:t>안바꿈</a:t>
+            </a:r>
             <a:endParaRPr lang="en-US" altLang="ko-KR" dirty="0" smtClean="0"/>
           </a:p>
           <a:p>
-            <a:pPr marL="800100" lvl="1" indent="-342900">
-              <a:buAutoNum type="arabicPeriod"/>
-            </a:pPr>
             <a:endParaRPr lang="en-US" altLang="ko-KR" dirty="0" smtClean="0"/>
           </a:p>
           <a:p>
@@ -6909,13 +6901,13 @@
           <p:nvPr/>
         </p:nvPicPr>
         <p:blipFill rotWithShape="1">
-          <a:blip r:embed="rId2"/>
+          <a:blip r:embed="rId2" cstate="print"/>
           <a:srcRect t="20230" r="10853"/>
           <a:stretch/>
         </p:blipFill>
         <p:spPr>
           <a:xfrm>
-            <a:off x="1520744" y="2931562"/>
+            <a:off x="417443" y="2706394"/>
             <a:ext cx="2530395" cy="934574"/>
           </a:xfrm>
           <a:prstGeom prst="rect">
@@ -6932,14 +6924,14 @@
           <p:nvPr/>
         </p:nvPicPr>
         <p:blipFill>
-          <a:blip r:embed="rId3"/>
+          <a:blip r:embed="rId3" cstate="print"/>
           <a:stretch>
             <a:fillRect/>
           </a:stretch>
         </p:blipFill>
         <p:spPr>
           <a:xfrm>
-            <a:off x="1068488" y="4561794"/>
+            <a:off x="576649" y="4811560"/>
             <a:ext cx="6819900" cy="1581150"/>
           </a:xfrm>
           <a:prstGeom prst="rect">
@@ -6947,10 +6939,305 @@
           </a:prstGeom>
         </p:spPr>
       </p:pic>
+      <p:pic>
+        <p:nvPicPr>
+          <p:cNvPr id="7" name="그림 6"/>
+          <p:cNvPicPr>
+            <a:picLocks noChangeAspect="1"/>
+          </p:cNvPicPr>
+          <p:nvPr/>
+        </p:nvPicPr>
+        <p:blipFill rotWithShape="1">
+          <a:blip r:embed="rId4" cstate="print"/>
+          <a:srcRect t="210" r="44145" b="63305"/>
+          <a:stretch/>
+        </p:blipFill>
+        <p:spPr>
+          <a:xfrm>
+            <a:off x="5412412" y="1053296"/>
+            <a:ext cx="1949087" cy="2652500"/>
+          </a:xfrm>
+          <a:prstGeom prst="rect">
+            <a:avLst/>
+          </a:prstGeom>
+        </p:spPr>
+      </p:pic>
+      <p:sp>
+        <p:nvSpPr>
+          <p:cNvPr id="3" name="TextBox 2"/>
+          <p:cNvSpPr txBox="1"/>
+          <p:nvPr/>
+        </p:nvSpPr>
+        <p:spPr>
+          <a:xfrm>
+            <a:off x="5412412" y="776843"/>
+            <a:ext cx="2865913" cy="369332"/>
+          </a:xfrm>
+          <a:prstGeom prst="rect">
+            <a:avLst/>
+          </a:prstGeom>
+          <a:noFill/>
+        </p:spPr>
+        <p:txBody>
+          <a:bodyPr wrap="none" rtlCol="0">
+            <a:spAutoFit/>
+          </a:bodyPr>
+          <a:lstStyle/>
+          <a:p>
+            <a:r>
+              <a:rPr lang="en-US" altLang="ko-KR" b="1" dirty="0" smtClean="0"/>
+              <a:t>Raster scan, border </a:t>
+            </a:r>
+            <a:r>
+              <a:rPr lang="ko-KR" altLang="en-US" b="1" dirty="0" smtClean="0"/>
+              <a:t>찾음</a:t>
+            </a:r>
+            <a:endParaRPr lang="ko-KR" altLang="en-US" b="1" dirty="0"/>
+          </a:p>
+        </p:txBody>
+      </p:sp>
+      <p:cxnSp>
+        <p:nvCxnSpPr>
+          <p:cNvPr id="9" name="직선 화살표 연결선 8"/>
+          <p:cNvCxnSpPr/>
+          <p:nvPr/>
+        </p:nvCxnSpPr>
+        <p:spPr>
+          <a:xfrm>
+            <a:off x="5671594" y="1137929"/>
+            <a:ext cx="277793" cy="205861"/>
+          </a:xfrm>
+          <a:prstGeom prst="straightConnector1">
+            <a:avLst/>
+          </a:prstGeom>
+          <a:ln w="57150">
+            <a:solidFill>
+              <a:srgbClr val="FF0000"/>
+            </a:solidFill>
+            <a:tailEnd type="triangle"/>
+          </a:ln>
+        </p:spPr>
+        <p:style>
+          <a:lnRef idx="1">
+            <a:schemeClr val="accent1"/>
+          </a:lnRef>
+          <a:fillRef idx="0">
+            <a:schemeClr val="accent1"/>
+          </a:fillRef>
+          <a:effectRef idx="0">
+            <a:schemeClr val="accent1"/>
+          </a:effectRef>
+          <a:fontRef idx="minor">
+            <a:schemeClr val="tx1"/>
+          </a:fontRef>
+        </p:style>
+      </p:cxnSp>
+      <p:cxnSp>
+        <p:nvCxnSpPr>
+          <p:cNvPr id="11" name="직선 화살표 연결선 10"/>
+          <p:cNvCxnSpPr/>
+          <p:nvPr/>
+        </p:nvCxnSpPr>
+        <p:spPr>
+          <a:xfrm>
+            <a:off x="6007261" y="2706394"/>
+            <a:ext cx="740780" cy="0"/>
+          </a:xfrm>
+          <a:prstGeom prst="straightConnector1">
+            <a:avLst/>
+          </a:prstGeom>
+          <a:ln w="57150">
+            <a:tailEnd type="triangle"/>
+          </a:ln>
+        </p:spPr>
+        <p:style>
+          <a:lnRef idx="1">
+            <a:schemeClr val="accent1"/>
+          </a:lnRef>
+          <a:fillRef idx="0">
+            <a:schemeClr val="accent1"/>
+          </a:fillRef>
+          <a:effectRef idx="0">
+            <a:schemeClr val="accent1"/>
+          </a:effectRef>
+          <a:fontRef idx="minor">
+            <a:schemeClr val="tx1"/>
+          </a:fontRef>
+        </p:style>
+      </p:cxnSp>
+      <p:cxnSp>
+        <p:nvCxnSpPr>
+          <p:cNvPr id="13" name="직선 화살표 연결선 12"/>
+          <p:cNvCxnSpPr/>
+          <p:nvPr/>
+        </p:nvCxnSpPr>
+        <p:spPr>
+          <a:xfrm>
+            <a:off x="6748041" y="2706394"/>
+            <a:ext cx="0" cy="754436"/>
+          </a:xfrm>
+          <a:prstGeom prst="straightConnector1">
+            <a:avLst/>
+          </a:prstGeom>
+          <a:ln w="57150">
+            <a:tailEnd type="triangle"/>
+          </a:ln>
+        </p:spPr>
+        <p:style>
+          <a:lnRef idx="1">
+            <a:schemeClr val="accent1"/>
+          </a:lnRef>
+          <a:fillRef idx="0">
+            <a:schemeClr val="accent1"/>
+          </a:fillRef>
+          <a:effectRef idx="0">
+            <a:schemeClr val="accent1"/>
+          </a:effectRef>
+          <a:fontRef idx="minor">
+            <a:schemeClr val="tx1"/>
+          </a:fontRef>
+        </p:style>
+      </p:cxnSp>
+      <p:cxnSp>
+        <p:nvCxnSpPr>
+          <p:cNvPr id="17" name="직선 화살표 연결선 16"/>
+          <p:cNvCxnSpPr/>
+          <p:nvPr/>
+        </p:nvCxnSpPr>
+        <p:spPr>
+          <a:xfrm flipH="1" flipV="1">
+            <a:off x="5914663" y="3553428"/>
+            <a:ext cx="823733" cy="12168"/>
+          </a:xfrm>
+          <a:prstGeom prst="straightConnector1">
+            <a:avLst/>
+          </a:prstGeom>
+          <a:ln w="57150">
+            <a:tailEnd type="triangle"/>
+          </a:ln>
+        </p:spPr>
+        <p:style>
+          <a:lnRef idx="1">
+            <a:schemeClr val="accent1"/>
+          </a:lnRef>
+          <a:fillRef idx="0">
+            <a:schemeClr val="accent1"/>
+          </a:fillRef>
+          <a:effectRef idx="0">
+            <a:schemeClr val="accent1"/>
+          </a:effectRef>
+          <a:fontRef idx="minor">
+            <a:schemeClr val="tx1"/>
+          </a:fontRef>
+        </p:style>
+      </p:cxnSp>
+      <p:cxnSp>
+        <p:nvCxnSpPr>
+          <p:cNvPr id="19" name="직선 화살표 연결선 18"/>
+          <p:cNvCxnSpPr/>
+          <p:nvPr/>
+        </p:nvCxnSpPr>
+        <p:spPr>
+          <a:xfrm flipH="1" flipV="1">
+            <a:off x="5810491" y="2715851"/>
+            <a:ext cx="11575" cy="732160"/>
+          </a:xfrm>
+          <a:prstGeom prst="straightConnector1">
+            <a:avLst/>
+          </a:prstGeom>
+          <a:ln w="57150">
+            <a:tailEnd type="triangle"/>
+          </a:ln>
+        </p:spPr>
+        <p:style>
+          <a:lnRef idx="1">
+            <a:schemeClr val="accent1"/>
+          </a:lnRef>
+          <a:fillRef idx="0">
+            <a:schemeClr val="accent1"/>
+          </a:fillRef>
+          <a:effectRef idx="0">
+            <a:schemeClr val="accent1"/>
+          </a:effectRef>
+          <a:fontRef idx="minor">
+            <a:schemeClr val="tx1"/>
+          </a:fontRef>
+        </p:style>
+      </p:cxnSp>
+      <p:sp>
+        <p:nvSpPr>
+          <p:cNvPr id="22" name="TextBox 21"/>
+          <p:cNvSpPr txBox="1"/>
+          <p:nvPr/>
+        </p:nvSpPr>
+        <p:spPr>
+          <a:xfrm>
+            <a:off x="5231668" y="2252726"/>
+            <a:ext cx="3866187" cy="369332"/>
+          </a:xfrm>
+          <a:prstGeom prst="rect">
+            <a:avLst/>
+          </a:prstGeom>
+          <a:noFill/>
+        </p:spPr>
+        <p:txBody>
+          <a:bodyPr wrap="none" rtlCol="0">
+            <a:spAutoFit/>
+          </a:bodyPr>
+          <a:lstStyle/>
+          <a:p>
+            <a:r>
+              <a:rPr lang="en-US" altLang="ko-KR" b="1" dirty="0" smtClean="0"/>
+              <a:t>Marking, raster scan, border </a:t>
+            </a:r>
+            <a:r>
+              <a:rPr lang="ko-KR" altLang="en-US" b="1" dirty="0" smtClean="0"/>
+              <a:t>찾음</a:t>
+            </a:r>
+            <a:endParaRPr lang="ko-KR" altLang="en-US" b="1" dirty="0"/>
+          </a:p>
+        </p:txBody>
+      </p:sp>
+      <p:cxnSp>
+        <p:nvCxnSpPr>
+          <p:cNvPr id="25" name="직선 화살표 연결선 24"/>
+          <p:cNvCxnSpPr/>
+          <p:nvPr/>
+        </p:nvCxnSpPr>
+        <p:spPr>
+          <a:xfrm>
+            <a:off x="5585668" y="2877851"/>
+            <a:ext cx="328995" cy="148394"/>
+          </a:xfrm>
+          <a:prstGeom prst="straightConnector1">
+            <a:avLst/>
+          </a:prstGeom>
+          <a:ln w="57150">
+            <a:solidFill>
+              <a:srgbClr val="FF0000"/>
+            </a:solidFill>
+            <a:tailEnd type="triangle"/>
+          </a:ln>
+        </p:spPr>
+        <p:style>
+          <a:lnRef idx="1">
+            <a:schemeClr val="accent1"/>
+          </a:lnRef>
+          <a:fillRef idx="0">
+            <a:schemeClr val="accent1"/>
+          </a:fillRef>
+          <a:effectRef idx="0">
+            <a:schemeClr val="accent1"/>
+          </a:effectRef>
+          <a:fontRef idx="minor">
+            <a:schemeClr val="tx1"/>
+          </a:fontRef>
+        </p:style>
+      </p:cxnSp>
     </p:spTree>
     <p:extLst>
       <p:ext uri="{BB962C8B-B14F-4D97-AF65-F5344CB8AC3E}">
-        <p14:creationId xmlns:p14="http://schemas.microsoft.com/office/powerpoint/2010/main" val="3964770884"/>
+        <p14:creationId xmlns:p14="http://schemas.microsoft.com/office/powerpoint/2010/main" xmlns="" val="1055744950"/>
       </p:ext>
     </p:extLst>
   </p:cSld>
@@ -7003,7 +7290,7 @@
     </a:clrScheme>
     <a:fontScheme name="Office">
       <a:majorFont>
-        <a:latin typeface="맑은 고딕" panose="020F0302020204030204"/>
+        <a:latin typeface="맑은 고딕"/>
         <a:ea typeface=""/>
         <a:cs typeface=""/>
         <a:font script="Jpan" typeface="游ゴシック Light"/>
@@ -7038,7 +7325,7 @@
         <a:font script="Geor" typeface="Sylfaen"/>
       </a:majorFont>
       <a:minorFont>
-        <a:latin typeface="맑은 고딕" panose="020F0502020204030204"/>
+        <a:latin typeface="맑은 고딕"/>
         <a:ea typeface=""/>
         <a:cs typeface=""/>
         <a:font script="Jpan" typeface="游ゴシック"/>
@@ -7215,7 +7502,7 @@
   <a:extraClrSchemeLst/>
   <a:extLst>
     <a:ext uri="{05A4C25C-085E-4340-85A3-A5531E510DB2}">
-      <thm15:themeFamily xmlns:thm15="http://schemas.microsoft.com/office/thememl/2012/main" name="Office Theme" id="{62F939B6-93AF-4DB8-9C6B-D6C7DFDC589F}" vid="{4A3C46E8-61CC-4603-A589-7422A47A8E4A}"/>
+      <thm15:themeFamily xmlns:thm15="http://schemas.microsoft.com/office/thememl/2012/main" xmlns="" name="Office Theme" id="{62F939B6-93AF-4DB8-9C6B-D6C7DFDC589F}" vid="{4A3C46E8-61CC-4603-A589-7422A47A8E4A}"/>
     </a:ext>
   </a:extLst>
 </a:theme>
